--- a/opdracht03/G36/Voorstelling G36.pptx
+++ b/opdracht03/G36/Voorstelling G36.pptx
@@ -5,7 +5,7 @@
     <p:sldMasterId id="2147483762" r:id="rId1"/>
   </p:sldMasterIdLst>
   <p:notesMasterIdLst>
-    <p:notesMasterId r:id="rId28"/>
+    <p:notesMasterId r:id="rId29"/>
   </p:notesMasterIdLst>
   <p:sldIdLst>
     <p:sldId id="258" r:id="rId2"/>
@@ -21,19 +21,20 @@
     <p:sldId id="290" r:id="rId12"/>
     <p:sldId id="291" r:id="rId13"/>
     <p:sldId id="292" r:id="rId14"/>
-    <p:sldId id="265" r:id="rId15"/>
-    <p:sldId id="266" r:id="rId16"/>
-    <p:sldId id="260" r:id="rId17"/>
-    <p:sldId id="267" r:id="rId18"/>
-    <p:sldId id="269" r:id="rId19"/>
-    <p:sldId id="270" r:id="rId20"/>
-    <p:sldId id="281" r:id="rId21"/>
-    <p:sldId id="272" r:id="rId22"/>
-    <p:sldId id="273" r:id="rId23"/>
-    <p:sldId id="274" r:id="rId24"/>
-    <p:sldId id="282" r:id="rId25"/>
-    <p:sldId id="293" r:id="rId26"/>
-    <p:sldId id="283" r:id="rId27"/>
+    <p:sldId id="294" r:id="rId15"/>
+    <p:sldId id="265" r:id="rId16"/>
+    <p:sldId id="266" r:id="rId17"/>
+    <p:sldId id="260" r:id="rId18"/>
+    <p:sldId id="267" r:id="rId19"/>
+    <p:sldId id="269" r:id="rId20"/>
+    <p:sldId id="270" r:id="rId21"/>
+    <p:sldId id="281" r:id="rId22"/>
+    <p:sldId id="272" r:id="rId23"/>
+    <p:sldId id="273" r:id="rId24"/>
+    <p:sldId id="274" r:id="rId25"/>
+    <p:sldId id="282" r:id="rId26"/>
+    <p:sldId id="293" r:id="rId27"/>
+    <p:sldId id="283" r:id="rId28"/>
   </p:sldIdLst>
   <p:sldSz cx="12192000" cy="6858000"/>
   <p:notesSz cx="6858000" cy="9144000"/>
@@ -222,7 +223,7 @@
           <a:p>
             <a:fld id="{8795BD13-A9C0-4833-9A37-05C32DB0F83C}" type="datetimeFigureOut">
               <a:rPr lang="en-GB" smtClean="0"/>
-              <a:t>28/04/2019</a:t>
+              <a:t>05/05/2019</a:t>
             </a:fld>
             <a:endParaRPr lang="en-GB"/>
           </a:p>
@@ -716,7 +717,7 @@
           <a:p>
             <a:fld id="{76FCA46D-55D7-4D00-B507-F3F903E4163B}" type="datetimeFigureOut">
               <a:rPr lang="en-GB" smtClean="0"/>
-              <a:t>28/04/2019</a:t>
+              <a:t>05/05/2019</a:t>
             </a:fld>
             <a:endParaRPr lang="en-GB"/>
           </a:p>
@@ -927,7 +928,7 @@
           <a:p>
             <a:fld id="{76FCA46D-55D7-4D00-B507-F3F903E4163B}" type="datetimeFigureOut">
               <a:rPr lang="en-GB" smtClean="0"/>
-              <a:t>28/04/2019</a:t>
+              <a:t>05/05/2019</a:t>
             </a:fld>
             <a:endParaRPr lang="en-GB"/>
           </a:p>
@@ -1186,7 +1187,7 @@
           <a:p>
             <a:fld id="{76FCA46D-55D7-4D00-B507-F3F903E4163B}" type="datetimeFigureOut">
               <a:rPr lang="en-GB" smtClean="0"/>
-              <a:t>28/04/2019</a:t>
+              <a:t>05/05/2019</a:t>
             </a:fld>
             <a:endParaRPr lang="en-GB"/>
           </a:p>
@@ -1359,7 +1360,7 @@
           <a:p>
             <a:fld id="{76FCA46D-55D7-4D00-B507-F3F903E4163B}" type="datetimeFigureOut">
               <a:rPr lang="en-GB" smtClean="0"/>
-              <a:t>28/04/2019</a:t>
+              <a:t>05/05/2019</a:t>
             </a:fld>
             <a:endParaRPr lang="en-GB"/>
           </a:p>
@@ -1705,7 +1706,7 @@
           <a:p>
             <a:fld id="{76FCA46D-55D7-4D00-B507-F3F903E4163B}" type="datetimeFigureOut">
               <a:rPr lang="en-GB" smtClean="0"/>
-              <a:t>28/04/2019</a:t>
+              <a:t>05/05/2019</a:t>
             </a:fld>
             <a:endParaRPr lang="en-GB"/>
           </a:p>
@@ -1983,7 +1984,7 @@
           <a:p>
             <a:fld id="{76FCA46D-55D7-4D00-B507-F3F903E4163B}" type="datetimeFigureOut">
               <a:rPr lang="en-GB" smtClean="0"/>
-              <a:t>28/04/2019</a:t>
+              <a:t>05/05/2019</a:t>
             </a:fld>
             <a:endParaRPr lang="en-GB"/>
           </a:p>
@@ -2365,7 +2366,7 @@
           <a:p>
             <a:fld id="{76FCA46D-55D7-4D00-B507-F3F903E4163B}" type="datetimeFigureOut">
               <a:rPr lang="en-GB" smtClean="0"/>
-              <a:t>28/04/2019</a:t>
+              <a:t>05/05/2019</a:t>
             </a:fld>
             <a:endParaRPr lang="en-GB"/>
           </a:p>
@@ -2486,7 +2487,7 @@
           <a:p>
             <a:fld id="{76FCA46D-55D7-4D00-B507-F3F903E4163B}" type="datetimeFigureOut">
               <a:rPr lang="en-GB" smtClean="0"/>
-              <a:t>28/04/2019</a:t>
+              <a:t>05/05/2019</a:t>
             </a:fld>
             <a:endParaRPr lang="en-GB"/>
           </a:p>
@@ -2660,7 +2661,7 @@
           <a:p>
             <a:fld id="{76FCA46D-55D7-4D00-B507-F3F903E4163B}" type="datetimeFigureOut">
               <a:rPr lang="en-GB" smtClean="0"/>
-              <a:t>28/04/2019</a:t>
+              <a:t>05/05/2019</a:t>
             </a:fld>
             <a:endParaRPr lang="en-GB"/>
           </a:p>
@@ -3017,7 +3018,7 @@
           <a:p>
             <a:fld id="{76FCA46D-55D7-4D00-B507-F3F903E4163B}" type="datetimeFigureOut">
               <a:rPr lang="en-GB" smtClean="0"/>
-              <a:t>28/04/2019</a:t>
+              <a:t>05/05/2019</a:t>
             </a:fld>
             <a:endParaRPr lang="en-GB"/>
           </a:p>
@@ -3397,7 +3398,7 @@
           <a:p>
             <a:fld id="{76FCA46D-55D7-4D00-B507-F3F903E4163B}" type="datetimeFigureOut">
               <a:rPr lang="en-GB" smtClean="0"/>
-              <a:t>28/04/2019</a:t>
+              <a:t>05/05/2019</a:t>
             </a:fld>
             <a:endParaRPr lang="en-GB"/>
           </a:p>
@@ -3687,7 +3688,7 @@
           <a:p>
             <a:fld id="{76FCA46D-55D7-4D00-B507-F3F903E4163B}" type="datetimeFigureOut">
               <a:rPr lang="en-GB" smtClean="0"/>
-              <a:t>28/04/2019</a:t>
+              <a:t>05/05/2019</a:t>
             </a:fld>
             <a:endParaRPr lang="en-GB"/>
           </a:p>
@@ -5758,6 +5759,512 @@
           <p:cNvPr id="2" name="Titel 1">
             <a:extLst>
               <a:ext uri="{FF2B5EF4-FFF2-40B4-BE49-F238E27FC236}">
+                <a16:creationId xmlns:a16="http://schemas.microsoft.com/office/drawing/2014/main" id="{D8072935-77FD-4B59-9730-69DFA4AC0C57}"/>
+              </a:ext>
+            </a:extLst>
+          </p:cNvPr>
+          <p:cNvSpPr>
+            <a:spLocks noGrp="1"/>
+          </p:cNvSpPr>
+          <p:nvPr>
+            <p:ph type="title"/>
+          </p:nvPr>
+        </p:nvSpPr>
+        <p:spPr/>
+        <p:txBody>
+          <a:bodyPr/>
+          <a:lstStyle/>
+          <a:p>
+            <a:r>
+              <a:rPr lang="en-GB" dirty="0" err="1">
+                <a:latin typeface="Segoe UI" panose="020B0502040204020203" pitchFamily="34" charset="0"/>
+                <a:cs typeface="Segoe UI" panose="020B0502040204020203" pitchFamily="34" charset="0"/>
+              </a:rPr>
+              <a:t>Vergelijking</a:t>
+            </a:r>
+            <a:endParaRPr lang="en-GB" dirty="0">
+              <a:latin typeface="Segoe UI" panose="020B0502040204020203" pitchFamily="34" charset="0"/>
+              <a:cs typeface="Segoe UI" panose="020B0502040204020203" pitchFamily="34" charset="0"/>
+            </a:endParaRPr>
+          </a:p>
+        </p:txBody>
+      </p:sp>
+      <p:sp>
+        <p:nvSpPr>
+          <p:cNvPr id="4" name="Tijdelijke aanduiding voor tekst 3">
+            <a:extLst>
+              <a:ext uri="{FF2B5EF4-FFF2-40B4-BE49-F238E27FC236}">
+                <a16:creationId xmlns:a16="http://schemas.microsoft.com/office/drawing/2014/main" id="{6DAFED22-3513-4370-A70C-8D6FE2EBFA94}"/>
+              </a:ext>
+            </a:extLst>
+          </p:cNvPr>
+          <p:cNvSpPr>
+            <a:spLocks noGrp="1"/>
+          </p:cNvSpPr>
+          <p:nvPr>
+            <p:ph type="body" idx="1"/>
+          </p:nvPr>
+        </p:nvSpPr>
+        <p:spPr/>
+        <p:txBody>
+          <a:bodyPr/>
+          <a:lstStyle/>
+          <a:p>
+            <a:r>
+              <a:rPr lang="en-GB" dirty="0" err="1">
+                <a:latin typeface="Segoe UI" panose="020B0502040204020203" pitchFamily="34" charset="0"/>
+                <a:cs typeface="Segoe UI" panose="020B0502040204020203" pitchFamily="34" charset="0"/>
+              </a:rPr>
+              <a:t>Aanbevolen</a:t>
+            </a:r>
+            <a:endParaRPr lang="en-GB" dirty="0">
+              <a:latin typeface="Segoe UI" panose="020B0502040204020203" pitchFamily="34" charset="0"/>
+              <a:cs typeface="Segoe UI" panose="020B0502040204020203" pitchFamily="34" charset="0"/>
+            </a:endParaRPr>
+          </a:p>
+        </p:txBody>
+      </p:sp>
+      <p:sp>
+        <p:nvSpPr>
+          <p:cNvPr id="5" name="Tijdelijke aanduiding voor inhoud 4">
+            <a:extLst>
+              <a:ext uri="{FF2B5EF4-FFF2-40B4-BE49-F238E27FC236}">
+                <a16:creationId xmlns:a16="http://schemas.microsoft.com/office/drawing/2014/main" id="{FDB3AD0C-4196-4516-B0AC-66BC45B34E28}"/>
+              </a:ext>
+            </a:extLst>
+          </p:cNvPr>
+          <p:cNvSpPr>
+            <a:spLocks noGrp="1"/>
+          </p:cNvSpPr>
+          <p:nvPr>
+            <p:ph sz="half" idx="2"/>
+          </p:nvPr>
+        </p:nvSpPr>
+        <p:spPr/>
+        <p:txBody>
+          <a:bodyPr/>
+          <a:lstStyle/>
+          <a:p>
+            <a:pPr>
+              <a:buFont typeface="Arial" panose="020B0604020202020204" pitchFamily="34" charset="0"/>
+              <a:buChar char="•"/>
+            </a:pPr>
+            <a:r>
+              <a:rPr lang="en-GB" dirty="0">
+                <a:latin typeface="Segoe UI" panose="020B0502040204020203" pitchFamily="34" charset="0"/>
+                <a:cs typeface="Segoe UI" panose="020B0502040204020203" pitchFamily="34" charset="0"/>
+              </a:rPr>
+              <a:t> Router </a:t>
+            </a:r>
+            <a:r>
+              <a:rPr lang="en-GB" dirty="0" err="1">
+                <a:latin typeface="Segoe UI" panose="020B0502040204020203" pitchFamily="34" charset="0"/>
+                <a:cs typeface="Segoe UI" panose="020B0502040204020203" pitchFamily="34" charset="0"/>
+              </a:rPr>
+              <a:t>volledig</a:t>
+            </a:r>
+            <a:r>
+              <a:rPr lang="en-GB" dirty="0">
+                <a:latin typeface="Segoe UI" panose="020B0502040204020203" pitchFamily="34" charset="0"/>
+                <a:cs typeface="Segoe UI" panose="020B0502040204020203" pitchFamily="34" charset="0"/>
+              </a:rPr>
+              <a:t> </a:t>
+            </a:r>
+            <a:r>
+              <a:rPr lang="en-GB" dirty="0" err="1">
+                <a:latin typeface="Segoe UI" panose="020B0502040204020203" pitchFamily="34" charset="0"/>
+                <a:cs typeface="Segoe UI" panose="020B0502040204020203" pitchFamily="34" charset="0"/>
+              </a:rPr>
+              <a:t>configureerbaar</a:t>
+            </a:r>
+            <a:endParaRPr lang="en-GB" dirty="0">
+              <a:latin typeface="Segoe UI" panose="020B0502040204020203" pitchFamily="34" charset="0"/>
+              <a:cs typeface="Segoe UI" panose="020B0502040204020203" pitchFamily="34" charset="0"/>
+            </a:endParaRPr>
+          </a:p>
+          <a:p>
+            <a:pPr>
+              <a:buFont typeface="Arial" panose="020B0604020202020204" pitchFamily="34" charset="0"/>
+              <a:buChar char="•"/>
+            </a:pPr>
+            <a:r>
+              <a:rPr lang="en-GB" dirty="0">
+                <a:latin typeface="Segoe UI" panose="020B0502040204020203" pitchFamily="34" charset="0"/>
+                <a:cs typeface="Segoe UI" panose="020B0502040204020203" pitchFamily="34" charset="0"/>
+              </a:rPr>
+              <a:t> Access Point </a:t>
+            </a:r>
+            <a:r>
+              <a:rPr lang="en-GB" dirty="0" err="1">
+                <a:latin typeface="Segoe UI" panose="020B0502040204020203" pitchFamily="34" charset="0"/>
+                <a:cs typeface="Segoe UI" panose="020B0502040204020203" pitchFamily="34" charset="0"/>
+              </a:rPr>
+              <a:t>volledig</a:t>
+            </a:r>
+            <a:r>
+              <a:rPr lang="en-GB" dirty="0">
+                <a:latin typeface="Segoe UI" panose="020B0502040204020203" pitchFamily="34" charset="0"/>
+                <a:cs typeface="Segoe UI" panose="020B0502040204020203" pitchFamily="34" charset="0"/>
+              </a:rPr>
+              <a:t> </a:t>
+            </a:r>
+            <a:r>
+              <a:rPr lang="en-GB" dirty="0" err="1">
+                <a:latin typeface="Segoe UI" panose="020B0502040204020203" pitchFamily="34" charset="0"/>
+                <a:cs typeface="Segoe UI" panose="020B0502040204020203" pitchFamily="34" charset="0"/>
+              </a:rPr>
+              <a:t>configureerbaar</a:t>
+            </a:r>
+            <a:endParaRPr lang="en-GB" dirty="0">
+              <a:latin typeface="Segoe UI" panose="020B0502040204020203" pitchFamily="34" charset="0"/>
+              <a:cs typeface="Segoe UI" panose="020B0502040204020203" pitchFamily="34" charset="0"/>
+            </a:endParaRPr>
+          </a:p>
+          <a:p>
+            <a:pPr>
+              <a:buFont typeface="Arial" panose="020B0604020202020204" pitchFamily="34" charset="0"/>
+              <a:buChar char="•"/>
+            </a:pPr>
+            <a:r>
+              <a:rPr lang="en-GB" dirty="0">
+                <a:latin typeface="Segoe UI" panose="020B0502040204020203" pitchFamily="34" charset="0"/>
+                <a:cs typeface="Segoe UI" panose="020B0502040204020203" pitchFamily="34" charset="0"/>
+              </a:rPr>
+              <a:t> </a:t>
+            </a:r>
+            <a:r>
+              <a:rPr lang="en-GB" dirty="0" err="1">
+                <a:latin typeface="Segoe UI" panose="020B0502040204020203" pitchFamily="34" charset="0"/>
+                <a:cs typeface="Segoe UI" panose="020B0502040204020203" pitchFamily="34" charset="0"/>
+              </a:rPr>
+              <a:t>Uitgebreidere</a:t>
+            </a:r>
+            <a:r>
+              <a:rPr lang="en-GB" dirty="0">
+                <a:latin typeface="Segoe UI" panose="020B0502040204020203" pitchFamily="34" charset="0"/>
+                <a:cs typeface="Segoe UI" panose="020B0502040204020203" pitchFamily="34" charset="0"/>
+              </a:rPr>
+              <a:t> </a:t>
+            </a:r>
+            <a:r>
+              <a:rPr lang="en-GB" dirty="0" err="1">
+                <a:latin typeface="Segoe UI" panose="020B0502040204020203" pitchFamily="34" charset="0"/>
+                <a:cs typeface="Segoe UI" panose="020B0502040204020203" pitchFamily="34" charset="0"/>
+              </a:rPr>
+              <a:t>beveiliging</a:t>
+            </a:r>
+            <a:endParaRPr lang="en-GB" dirty="0">
+              <a:latin typeface="Segoe UI" panose="020B0502040204020203" pitchFamily="34" charset="0"/>
+              <a:cs typeface="Segoe UI" panose="020B0502040204020203" pitchFamily="34" charset="0"/>
+            </a:endParaRPr>
+          </a:p>
+          <a:p>
+            <a:pPr>
+              <a:buFont typeface="Arial" panose="020B0604020202020204" pitchFamily="34" charset="0"/>
+              <a:buChar char="•"/>
+            </a:pPr>
+            <a:r>
+              <a:rPr lang="en-GB" dirty="0">
+                <a:latin typeface="Segoe UI" panose="020B0502040204020203" pitchFamily="34" charset="0"/>
+                <a:cs typeface="Segoe UI" panose="020B0502040204020203" pitchFamily="34" charset="0"/>
+              </a:rPr>
+              <a:t> </a:t>
+            </a:r>
+            <a:r>
+              <a:rPr lang="nl-BE" dirty="0">
+                <a:latin typeface="Segoe UI" panose="020B0502040204020203" pitchFamily="34" charset="0"/>
+                <a:cs typeface="Segoe UI" panose="020B0502040204020203" pitchFamily="34" charset="0"/>
+              </a:rPr>
+              <a:t>Kortsluitingsbestendig</a:t>
+            </a:r>
+            <a:endParaRPr lang="en-GB" dirty="0">
+              <a:latin typeface="Segoe UI" panose="020B0502040204020203" pitchFamily="34" charset="0"/>
+              <a:cs typeface="Segoe UI" panose="020B0502040204020203" pitchFamily="34" charset="0"/>
+            </a:endParaRPr>
+          </a:p>
+          <a:p>
+            <a:pPr>
+              <a:buFont typeface="Arial" panose="020B0604020202020204" pitchFamily="34" charset="0"/>
+              <a:buChar char="•"/>
+            </a:pPr>
+            <a:endParaRPr lang="en-GB" dirty="0">
+              <a:latin typeface="Segoe UI" panose="020B0502040204020203" pitchFamily="34" charset="0"/>
+              <a:cs typeface="Segoe UI" panose="020B0502040204020203" pitchFamily="34" charset="0"/>
+            </a:endParaRPr>
+          </a:p>
+          <a:p>
+            <a:pPr>
+              <a:buFont typeface="Arial" panose="020B0604020202020204" pitchFamily="34" charset="0"/>
+              <a:buChar char="•"/>
+            </a:pPr>
+            <a:r>
+              <a:rPr lang="en-GB" dirty="0">
+                <a:latin typeface="Segoe UI" panose="020B0502040204020203" pitchFamily="34" charset="0"/>
+                <a:cs typeface="Segoe UI" panose="020B0502040204020203" pitchFamily="34" charset="0"/>
+              </a:rPr>
+              <a:t> </a:t>
+            </a:r>
+            <a:r>
+              <a:rPr lang="en-GB" dirty="0" err="1">
+                <a:latin typeface="Segoe UI" panose="020B0502040204020203" pitchFamily="34" charset="0"/>
+                <a:cs typeface="Segoe UI" panose="020B0502040204020203" pitchFamily="34" charset="0"/>
+              </a:rPr>
+              <a:t>Prijs</a:t>
+            </a:r>
+            <a:r>
+              <a:rPr lang="en-GB" dirty="0">
+                <a:latin typeface="Segoe UI" panose="020B0502040204020203" pitchFamily="34" charset="0"/>
+                <a:cs typeface="Segoe UI" panose="020B0502040204020203" pitchFamily="34" charset="0"/>
+              </a:rPr>
+              <a:t>:  € 305.20</a:t>
+            </a:r>
+          </a:p>
+        </p:txBody>
+      </p:sp>
+      <p:sp>
+        <p:nvSpPr>
+          <p:cNvPr id="6" name="Tijdelijke aanduiding voor tekst 5">
+            <a:extLst>
+              <a:ext uri="{FF2B5EF4-FFF2-40B4-BE49-F238E27FC236}">
+                <a16:creationId xmlns:a16="http://schemas.microsoft.com/office/drawing/2014/main" id="{951FE8C3-4234-42BB-A14F-254C82728272}"/>
+              </a:ext>
+            </a:extLst>
+          </p:cNvPr>
+          <p:cNvSpPr>
+            <a:spLocks noGrp="1"/>
+          </p:cNvSpPr>
+          <p:nvPr>
+            <p:ph type="body" sz="quarter" idx="3"/>
+          </p:nvPr>
+        </p:nvSpPr>
+        <p:spPr/>
+        <p:txBody>
+          <a:bodyPr/>
+          <a:lstStyle/>
+          <a:p>
+            <a:r>
+              <a:rPr lang="en-GB" dirty="0">
+                <a:latin typeface="Segoe UI" panose="020B0502040204020203" pitchFamily="34" charset="0"/>
+                <a:cs typeface="Segoe UI" panose="020B0502040204020203" pitchFamily="34" charset="0"/>
+              </a:rPr>
+              <a:t>Budget</a:t>
+            </a:r>
+          </a:p>
+        </p:txBody>
+      </p:sp>
+      <p:sp>
+        <p:nvSpPr>
+          <p:cNvPr id="7" name="Tijdelijke aanduiding voor inhoud 6">
+            <a:extLst>
+              <a:ext uri="{FF2B5EF4-FFF2-40B4-BE49-F238E27FC236}">
+                <a16:creationId xmlns:a16="http://schemas.microsoft.com/office/drawing/2014/main" id="{92001AF8-5F1C-408F-BE8F-1471C2BF467F}"/>
+              </a:ext>
+            </a:extLst>
+          </p:cNvPr>
+          <p:cNvSpPr>
+            <a:spLocks noGrp="1"/>
+          </p:cNvSpPr>
+          <p:nvPr>
+            <p:ph sz="quarter" idx="4"/>
+          </p:nvPr>
+        </p:nvSpPr>
+        <p:spPr/>
+        <p:txBody>
+          <a:bodyPr/>
+          <a:lstStyle/>
+          <a:p>
+            <a:pPr>
+              <a:buFont typeface="Arial" panose="020B0604020202020204" pitchFamily="34" charset="0"/>
+              <a:buChar char="•"/>
+            </a:pPr>
+            <a:r>
+              <a:rPr lang="en-GB" dirty="0">
+                <a:latin typeface="Segoe UI" panose="020B0502040204020203" pitchFamily="34" charset="0"/>
+                <a:cs typeface="Segoe UI" panose="020B0502040204020203" pitchFamily="34" charset="0"/>
+              </a:rPr>
+              <a:t> </a:t>
+            </a:r>
+            <a:r>
+              <a:rPr lang="en-GB" dirty="0" err="1">
+                <a:latin typeface="Segoe UI" panose="020B0502040204020203" pitchFamily="34" charset="0"/>
+                <a:cs typeface="Segoe UI" panose="020B0502040204020203" pitchFamily="34" charset="0"/>
+              </a:rPr>
+              <a:t>Beperkte</a:t>
+            </a:r>
+            <a:r>
+              <a:rPr lang="en-GB" dirty="0">
+                <a:latin typeface="Segoe UI" panose="020B0502040204020203" pitchFamily="34" charset="0"/>
+                <a:cs typeface="Segoe UI" panose="020B0502040204020203" pitchFamily="34" charset="0"/>
+              </a:rPr>
+              <a:t> </a:t>
+            </a:r>
+            <a:r>
+              <a:rPr lang="en-GB" dirty="0" err="1">
+                <a:latin typeface="Segoe UI" panose="020B0502040204020203" pitchFamily="34" charset="0"/>
+                <a:cs typeface="Segoe UI" panose="020B0502040204020203" pitchFamily="34" charset="0"/>
+              </a:rPr>
+              <a:t>configuratie</a:t>
+            </a:r>
+            <a:r>
+              <a:rPr lang="en-GB" dirty="0">
+                <a:latin typeface="Segoe UI" panose="020B0502040204020203" pitchFamily="34" charset="0"/>
+                <a:cs typeface="Segoe UI" panose="020B0502040204020203" pitchFamily="34" charset="0"/>
+              </a:rPr>
+              <a:t> op router</a:t>
+            </a:r>
+          </a:p>
+          <a:p>
+            <a:pPr>
+              <a:buFont typeface="Arial" panose="020B0604020202020204" pitchFamily="34" charset="0"/>
+              <a:buChar char="•"/>
+            </a:pPr>
+            <a:r>
+              <a:rPr lang="en-GB" dirty="0">
+                <a:latin typeface="Segoe UI" panose="020B0502040204020203" pitchFamily="34" charset="0"/>
+                <a:cs typeface="Segoe UI" panose="020B0502040204020203" pitchFamily="34" charset="0"/>
+              </a:rPr>
+              <a:t> Minder </a:t>
+            </a:r>
+            <a:r>
+              <a:rPr lang="en-GB" dirty="0" err="1">
+                <a:latin typeface="Segoe UI" panose="020B0502040204020203" pitchFamily="34" charset="0"/>
+                <a:cs typeface="Segoe UI" panose="020B0502040204020203" pitchFamily="34" charset="0"/>
+              </a:rPr>
+              <a:t>switchpoorten</a:t>
+            </a:r>
+            <a:endParaRPr lang="en-GB" dirty="0">
+              <a:latin typeface="Segoe UI" panose="020B0502040204020203" pitchFamily="34" charset="0"/>
+              <a:cs typeface="Segoe UI" panose="020B0502040204020203" pitchFamily="34" charset="0"/>
+            </a:endParaRPr>
+          </a:p>
+          <a:p>
+            <a:pPr>
+              <a:buFont typeface="Arial" panose="020B0604020202020204" pitchFamily="34" charset="0"/>
+              <a:buChar char="•"/>
+            </a:pPr>
+            <a:r>
+              <a:rPr lang="en-GB" dirty="0">
+                <a:latin typeface="Segoe UI" panose="020B0502040204020203" pitchFamily="34" charset="0"/>
+                <a:cs typeface="Segoe UI" panose="020B0502040204020203" pitchFamily="34" charset="0"/>
+              </a:rPr>
+              <a:t> Access Point </a:t>
+            </a:r>
+            <a:r>
+              <a:rPr lang="en-GB" dirty="0" err="1">
+                <a:latin typeface="Segoe UI" panose="020B0502040204020203" pitchFamily="34" charset="0"/>
+                <a:cs typeface="Segoe UI" panose="020B0502040204020203" pitchFamily="34" charset="0"/>
+              </a:rPr>
+              <a:t>beperkt</a:t>
+            </a:r>
+            <a:r>
+              <a:rPr lang="en-GB" dirty="0">
+                <a:latin typeface="Segoe UI" panose="020B0502040204020203" pitchFamily="34" charset="0"/>
+                <a:cs typeface="Segoe UI" panose="020B0502040204020203" pitchFamily="34" charset="0"/>
+              </a:rPr>
+              <a:t> in </a:t>
+            </a:r>
+            <a:r>
+              <a:rPr lang="en-GB" dirty="0" err="1">
+                <a:latin typeface="Segoe UI" panose="020B0502040204020203" pitchFamily="34" charset="0"/>
+                <a:cs typeface="Segoe UI" panose="020B0502040204020203" pitchFamily="34" charset="0"/>
+              </a:rPr>
+              <a:t>configuratie</a:t>
+            </a:r>
+            <a:endParaRPr lang="en-GB" dirty="0">
+              <a:latin typeface="Segoe UI" panose="020B0502040204020203" pitchFamily="34" charset="0"/>
+              <a:cs typeface="Segoe UI" panose="020B0502040204020203" pitchFamily="34" charset="0"/>
+            </a:endParaRPr>
+          </a:p>
+          <a:p>
+            <a:pPr>
+              <a:buFont typeface="Arial" panose="020B0604020202020204" pitchFamily="34" charset="0"/>
+              <a:buChar char="•"/>
+            </a:pPr>
+            <a:r>
+              <a:rPr lang="en-GB" dirty="0">
+                <a:latin typeface="Segoe UI" panose="020B0502040204020203" pitchFamily="34" charset="0"/>
+                <a:cs typeface="Segoe UI" panose="020B0502040204020203" pitchFamily="34" charset="0"/>
+              </a:rPr>
+              <a:t> Compacter</a:t>
+            </a:r>
+          </a:p>
+          <a:p>
+            <a:pPr>
+              <a:buFont typeface="Arial" panose="020B0604020202020204" pitchFamily="34" charset="0"/>
+              <a:buChar char="•"/>
+            </a:pPr>
+            <a:endParaRPr lang="en-GB" dirty="0">
+              <a:latin typeface="Segoe UI" panose="020B0502040204020203" pitchFamily="34" charset="0"/>
+              <a:cs typeface="Segoe UI" panose="020B0502040204020203" pitchFamily="34" charset="0"/>
+            </a:endParaRPr>
+          </a:p>
+          <a:p>
+            <a:pPr>
+              <a:buFont typeface="Arial" panose="020B0604020202020204" pitchFamily="34" charset="0"/>
+              <a:buChar char="•"/>
+            </a:pPr>
+            <a:r>
+              <a:rPr lang="en-GB" dirty="0">
+                <a:latin typeface="Segoe UI" panose="020B0502040204020203" pitchFamily="34" charset="0"/>
+                <a:cs typeface="Segoe UI" panose="020B0502040204020203" pitchFamily="34" charset="0"/>
+              </a:rPr>
+              <a:t> </a:t>
+            </a:r>
+            <a:r>
+              <a:rPr lang="en-GB" dirty="0" err="1">
+                <a:latin typeface="Segoe UI" panose="020B0502040204020203" pitchFamily="34" charset="0"/>
+                <a:cs typeface="Segoe UI" panose="020B0502040204020203" pitchFamily="34" charset="0"/>
+              </a:rPr>
+              <a:t>Prijs</a:t>
+            </a:r>
+            <a:r>
+              <a:rPr lang="en-GB" dirty="0">
+                <a:latin typeface="Segoe UI" panose="020B0502040204020203" pitchFamily="34" charset="0"/>
+                <a:cs typeface="Segoe UI" panose="020B0502040204020203" pitchFamily="34" charset="0"/>
+              </a:rPr>
+              <a:t>: €160.60</a:t>
+            </a:r>
+          </a:p>
+        </p:txBody>
+      </p:sp>
+    </p:spTree>
+    <p:extLst>
+      <p:ext uri="{BB962C8B-B14F-4D97-AF65-F5344CB8AC3E}">
+        <p14:creationId xmlns:p14="http://schemas.microsoft.com/office/powerpoint/2010/main" val="2600559136"/>
+      </p:ext>
+    </p:extLst>
+  </p:cSld>
+  <p:clrMapOvr>
+    <a:masterClrMapping/>
+  </p:clrMapOvr>
+  <p:transition>
+    <p:fade/>
+  </p:transition>
+</p:sld>
+</file>
+
+<file path=ppt/slides/slide15.xml><?xml version="1.0" encoding="utf-8"?>
+<p:sld xmlns:a="http://schemas.openxmlformats.org/drawingml/2006/main" xmlns:r="http://schemas.openxmlformats.org/officeDocument/2006/relationships" xmlns:p="http://schemas.openxmlformats.org/presentationml/2006/main">
+  <p:cSld>
+    <p:spTree>
+      <p:nvGrpSpPr>
+        <p:cNvPr id="1" name=""/>
+        <p:cNvGrpSpPr/>
+        <p:nvPr/>
+      </p:nvGrpSpPr>
+      <p:grpSpPr>
+        <a:xfrm>
+          <a:off x="0" y="0"/>
+          <a:ext cx="0" cy="0"/>
+          <a:chOff x="0" y="0"/>
+          <a:chExt cx="0" cy="0"/>
+        </a:xfrm>
+      </p:grpSpPr>
+      <p:sp>
+        <p:nvSpPr>
+          <p:cNvPr id="2" name="Titel 1">
+            <a:extLst>
+              <a:ext uri="{FF2B5EF4-FFF2-40B4-BE49-F238E27FC236}">
                 <a16:creationId xmlns:a16="http://schemas.microsoft.com/office/drawing/2014/main" id="{507F1CCA-6633-41A2-8ED2-169F30F91995}"/>
               </a:ext>
             </a:extLst>
@@ -6064,7 +6571,7 @@
 </p:sld>
 </file>
 
-<file path=ppt/slides/slide15.xml><?xml version="1.0" encoding="utf-8"?>
+<file path=ppt/slides/slide16.xml><?xml version="1.0" encoding="utf-8"?>
 <p:sld xmlns:a="http://schemas.openxmlformats.org/drawingml/2006/main" xmlns:r="http://schemas.openxmlformats.org/officeDocument/2006/relationships" xmlns:p="http://schemas.openxmlformats.org/presentationml/2006/main">
   <p:cSld>
     <p:spTree>
@@ -6374,7 +6881,7 @@
 </p:sld>
 </file>
 
-<file path=ppt/slides/slide16.xml><?xml version="1.0" encoding="utf-8"?>
+<file path=ppt/slides/slide17.xml><?xml version="1.0" encoding="utf-8"?>
 <p:sld xmlns:a="http://schemas.openxmlformats.org/drawingml/2006/main" xmlns:r="http://schemas.openxmlformats.org/officeDocument/2006/relationships" xmlns:p="http://schemas.openxmlformats.org/presentationml/2006/main">
   <p:cSld>
     <p:spTree>
@@ -6589,7 +7096,7 @@
 </p:sld>
 </file>
 
-<file path=ppt/slides/slide17.xml><?xml version="1.0" encoding="utf-8"?>
+<file path=ppt/slides/slide18.xml><?xml version="1.0" encoding="utf-8"?>
 <p:sld xmlns:a="http://schemas.openxmlformats.org/drawingml/2006/main" xmlns:r="http://schemas.openxmlformats.org/officeDocument/2006/relationships" xmlns:p="http://schemas.openxmlformats.org/presentationml/2006/main">
   <p:cSld>
     <p:spTree>
@@ -6856,7 +7363,7 @@
 </p:sld>
 </file>
 
-<file path=ppt/slides/slide18.xml><?xml version="1.0" encoding="utf-8"?>
+<file path=ppt/slides/slide19.xml><?xml version="1.0" encoding="utf-8"?>
 <p:sld xmlns:a="http://schemas.openxmlformats.org/drawingml/2006/main" xmlns:r="http://schemas.openxmlformats.org/officeDocument/2006/relationships" xmlns:p="http://schemas.openxmlformats.org/presentationml/2006/main">
   <p:cSld>
     <p:spTree>
@@ -7174,7 +7681,255 @@
 </p:sld>
 </file>
 
-<file path=ppt/slides/slide19.xml><?xml version="1.0" encoding="utf-8"?>
+<file path=ppt/slides/slide2.xml><?xml version="1.0" encoding="utf-8"?>
+<p:sld xmlns:a="http://schemas.openxmlformats.org/drawingml/2006/main" xmlns:r="http://schemas.openxmlformats.org/officeDocument/2006/relationships" xmlns:p="http://schemas.openxmlformats.org/presentationml/2006/main">
+  <p:cSld>
+    <p:spTree>
+      <p:nvGrpSpPr>
+        <p:cNvPr id="1" name=""/>
+        <p:cNvGrpSpPr/>
+        <p:nvPr/>
+      </p:nvGrpSpPr>
+      <p:grpSpPr>
+        <a:xfrm>
+          <a:off x="0" y="0"/>
+          <a:ext cx="0" cy="0"/>
+          <a:chOff x="0" y="0"/>
+          <a:chExt cx="0" cy="0"/>
+        </a:xfrm>
+      </p:grpSpPr>
+      <p:sp>
+        <p:nvSpPr>
+          <p:cNvPr id="2" name="Titel 1">
+            <a:extLst>
+              <a:ext uri="{FF2B5EF4-FFF2-40B4-BE49-F238E27FC236}">
+                <a16:creationId xmlns:a16="http://schemas.microsoft.com/office/drawing/2014/main" id="{F05BC4F7-6C5C-4D84-AD09-21A1BD725ADE}"/>
+              </a:ext>
+            </a:extLst>
+          </p:cNvPr>
+          <p:cNvSpPr>
+            <a:spLocks noGrp="1"/>
+          </p:cNvSpPr>
+          <p:nvPr>
+            <p:ph type="title"/>
+          </p:nvPr>
+        </p:nvSpPr>
+        <p:spPr/>
+        <p:txBody>
+          <a:bodyPr/>
+          <a:lstStyle/>
+          <a:p>
+            <a:r>
+              <a:rPr lang="en-GB" dirty="0" err="1">
+                <a:latin typeface="Segoe UI" panose="020B0502040204020203" pitchFamily="34" charset="0"/>
+                <a:cs typeface="Segoe UI" panose="020B0502040204020203" pitchFamily="34" charset="0"/>
+              </a:rPr>
+              <a:t>Voor</a:t>
+            </a:r>
+            <a:r>
+              <a:rPr lang="en-GB" dirty="0">
+                <a:latin typeface="Segoe UI" panose="020B0502040204020203" pitchFamily="34" charset="0"/>
+                <a:cs typeface="Segoe UI" panose="020B0502040204020203" pitchFamily="34" charset="0"/>
+              </a:rPr>
+              <a:t> We </a:t>
+            </a:r>
+            <a:r>
+              <a:rPr lang="en-GB" dirty="0" err="1">
+                <a:latin typeface="Segoe UI" panose="020B0502040204020203" pitchFamily="34" charset="0"/>
+                <a:cs typeface="Segoe UI" panose="020B0502040204020203" pitchFamily="34" charset="0"/>
+              </a:rPr>
+              <a:t>Beginnen</a:t>
+            </a:r>
+            <a:endParaRPr lang="en-GB" dirty="0">
+              <a:latin typeface="Segoe UI" panose="020B0502040204020203" pitchFamily="34" charset="0"/>
+              <a:cs typeface="Segoe UI" panose="020B0502040204020203" pitchFamily="34" charset="0"/>
+            </a:endParaRPr>
+          </a:p>
+        </p:txBody>
+      </p:sp>
+      <p:sp>
+        <p:nvSpPr>
+          <p:cNvPr id="3" name="Tijdelijke aanduiding voor inhoud 2">
+            <a:extLst>
+              <a:ext uri="{FF2B5EF4-FFF2-40B4-BE49-F238E27FC236}">
+                <a16:creationId xmlns:a16="http://schemas.microsoft.com/office/drawing/2014/main" id="{5DFEDF63-63CB-4163-BD78-EBCED782625E}"/>
+              </a:ext>
+            </a:extLst>
+          </p:cNvPr>
+          <p:cNvSpPr>
+            <a:spLocks noGrp="1"/>
+          </p:cNvSpPr>
+          <p:nvPr>
+            <p:ph idx="1"/>
+          </p:nvPr>
+        </p:nvSpPr>
+        <p:spPr/>
+        <p:txBody>
+          <a:bodyPr/>
+          <a:lstStyle/>
+          <a:p>
+            <a:pPr>
+              <a:buFont typeface="Arial" panose="020B0604020202020204" pitchFamily="34" charset="0"/>
+              <a:buChar char="•"/>
+            </a:pPr>
+            <a:r>
+              <a:rPr lang="en-GB" dirty="0">
+                <a:latin typeface="Segoe UI" panose="020B0502040204020203" pitchFamily="34" charset="0"/>
+                <a:cs typeface="Segoe UI" panose="020B0502040204020203" pitchFamily="34" charset="0"/>
+              </a:rPr>
+              <a:t> </a:t>
+            </a:r>
+            <a:r>
+              <a:rPr lang="en-GB" dirty="0" err="1">
+                <a:latin typeface="Segoe UI" panose="020B0502040204020203" pitchFamily="34" charset="0"/>
+                <a:cs typeface="Segoe UI" panose="020B0502040204020203" pitchFamily="34" charset="0"/>
+              </a:rPr>
+              <a:t>Vrijblijvend</a:t>
+            </a:r>
+            <a:endParaRPr lang="en-GB" dirty="0">
+              <a:latin typeface="Segoe UI" panose="020B0502040204020203" pitchFamily="34" charset="0"/>
+              <a:cs typeface="Segoe UI" panose="020B0502040204020203" pitchFamily="34" charset="0"/>
+            </a:endParaRPr>
+          </a:p>
+          <a:p>
+            <a:pPr>
+              <a:buFont typeface="Arial" panose="020B0604020202020204" pitchFamily="34" charset="0"/>
+              <a:buChar char="•"/>
+            </a:pPr>
+            <a:r>
+              <a:rPr lang="en-GB" dirty="0">
+                <a:latin typeface="Segoe UI" panose="020B0502040204020203" pitchFamily="34" charset="0"/>
+                <a:cs typeface="Segoe UI" panose="020B0502040204020203" pitchFamily="34" charset="0"/>
+              </a:rPr>
+              <a:t> </a:t>
+            </a:r>
+            <a:r>
+              <a:rPr lang="en-GB" dirty="0" err="1">
+                <a:latin typeface="Segoe UI" panose="020B0502040204020203" pitchFamily="34" charset="0"/>
+                <a:cs typeface="Segoe UI" panose="020B0502040204020203" pitchFamily="34" charset="0"/>
+              </a:rPr>
+              <a:t>Aanpassingen</a:t>
+            </a:r>
+            <a:r>
+              <a:rPr lang="en-GB" dirty="0">
+                <a:latin typeface="Segoe UI" panose="020B0502040204020203" pitchFamily="34" charset="0"/>
+                <a:cs typeface="Segoe UI" panose="020B0502040204020203" pitchFamily="34" charset="0"/>
+              </a:rPr>
+              <a:t> </a:t>
+            </a:r>
+            <a:r>
+              <a:rPr lang="en-GB" dirty="0" err="1">
+                <a:latin typeface="Segoe UI" panose="020B0502040204020203" pitchFamily="34" charset="0"/>
+                <a:cs typeface="Segoe UI" panose="020B0502040204020203" pitchFamily="34" charset="0"/>
+              </a:rPr>
+              <a:t>mogelijk</a:t>
+            </a:r>
+            <a:endParaRPr lang="en-GB" dirty="0">
+              <a:latin typeface="Segoe UI" panose="020B0502040204020203" pitchFamily="34" charset="0"/>
+              <a:cs typeface="Segoe UI" panose="020B0502040204020203" pitchFamily="34" charset="0"/>
+            </a:endParaRPr>
+          </a:p>
+          <a:p>
+            <a:pPr>
+              <a:buFont typeface="Arial" panose="020B0604020202020204" pitchFamily="34" charset="0"/>
+              <a:buChar char="•"/>
+            </a:pPr>
+            <a:r>
+              <a:rPr lang="en-GB" dirty="0">
+                <a:latin typeface="Segoe UI" panose="020B0502040204020203" pitchFamily="34" charset="0"/>
+                <a:cs typeface="Segoe UI" panose="020B0502040204020203" pitchFamily="34" charset="0"/>
+              </a:rPr>
+              <a:t> </a:t>
+            </a:r>
+            <a:r>
+              <a:rPr lang="en-GB" dirty="0" err="1">
+                <a:latin typeface="Segoe UI" panose="020B0502040204020203" pitchFamily="34" charset="0"/>
+                <a:cs typeface="Segoe UI" panose="020B0502040204020203" pitchFamily="34" charset="0"/>
+              </a:rPr>
+              <a:t>Vragen</a:t>
+            </a:r>
+            <a:r>
+              <a:rPr lang="en-GB" dirty="0">
+                <a:latin typeface="Segoe UI" panose="020B0502040204020203" pitchFamily="34" charset="0"/>
+                <a:cs typeface="Segoe UI" panose="020B0502040204020203" pitchFamily="34" charset="0"/>
+              </a:rPr>
+              <a:t>? </a:t>
+            </a:r>
+            <a:r>
+              <a:rPr lang="en-GB" dirty="0" err="1">
+                <a:latin typeface="Segoe UI" panose="020B0502040204020203" pitchFamily="34" charset="0"/>
+                <a:cs typeface="Segoe UI" panose="020B0502040204020203" pitchFamily="34" charset="0"/>
+              </a:rPr>
+              <a:t>Stel</a:t>
+            </a:r>
+            <a:r>
+              <a:rPr lang="en-GB" dirty="0">
+                <a:latin typeface="Segoe UI" panose="020B0502040204020203" pitchFamily="34" charset="0"/>
+                <a:cs typeface="Segoe UI" panose="020B0502040204020203" pitchFamily="34" charset="0"/>
+              </a:rPr>
+              <a:t> ze</a:t>
+            </a:r>
+          </a:p>
+          <a:p>
+            <a:pPr>
+              <a:buFont typeface="Arial" panose="020B0604020202020204" pitchFamily="34" charset="0"/>
+              <a:buChar char="•"/>
+            </a:pPr>
+            <a:r>
+              <a:rPr lang="en-GB" dirty="0">
+                <a:latin typeface="Segoe UI" panose="020B0502040204020203" pitchFamily="34" charset="0"/>
+                <a:cs typeface="Segoe UI" panose="020B0502040204020203" pitchFamily="34" charset="0"/>
+              </a:rPr>
+              <a:t> </a:t>
+            </a:r>
+            <a:r>
+              <a:rPr lang="en-GB" dirty="0" err="1">
+                <a:latin typeface="Segoe UI" panose="020B0502040204020203" pitchFamily="34" charset="0"/>
+                <a:cs typeface="Segoe UI" panose="020B0502040204020203" pitchFamily="34" charset="0"/>
+              </a:rPr>
+              <a:t>Prijzen</a:t>
+            </a:r>
+            <a:r>
+              <a:rPr lang="en-GB" dirty="0">
+                <a:latin typeface="Segoe UI" panose="020B0502040204020203" pitchFamily="34" charset="0"/>
+                <a:cs typeface="Segoe UI" panose="020B0502040204020203" pitchFamily="34" charset="0"/>
+              </a:rPr>
+              <a:t> </a:t>
+            </a:r>
+            <a:r>
+              <a:rPr lang="en-GB" dirty="0" err="1">
+                <a:latin typeface="Segoe UI" panose="020B0502040204020203" pitchFamily="34" charset="0"/>
+                <a:cs typeface="Segoe UI" panose="020B0502040204020203" pitchFamily="34" charset="0"/>
+              </a:rPr>
+              <a:t>zonder</a:t>
+            </a:r>
+            <a:r>
+              <a:rPr lang="en-GB" dirty="0">
+                <a:latin typeface="Segoe UI" panose="020B0502040204020203" pitchFamily="34" charset="0"/>
+                <a:cs typeface="Segoe UI" panose="020B0502040204020203" pitchFamily="34" charset="0"/>
+              </a:rPr>
+              <a:t> BTW</a:t>
+            </a:r>
+          </a:p>
+        </p:txBody>
+      </p:sp>
+    </p:spTree>
+    <p:extLst>
+      <p:ext uri="{BB962C8B-B14F-4D97-AF65-F5344CB8AC3E}">
+        <p14:creationId xmlns:p14="http://schemas.microsoft.com/office/powerpoint/2010/main" val="3476582551"/>
+      </p:ext>
+    </p:extLst>
+  </p:cSld>
+  <p:clrMapOvr>
+    <a:masterClrMapping/>
+  </p:clrMapOvr>
+  <p:transition>
+    <p:fade/>
+  </p:transition>
+</p:sld>
+</file>
+
+<file path=ppt/slides/slide20.xml><?xml version="1.0" encoding="utf-8"?>
 <p:sld xmlns:a="http://schemas.openxmlformats.org/drawingml/2006/main" xmlns:r="http://schemas.openxmlformats.org/officeDocument/2006/relationships" xmlns:p="http://schemas.openxmlformats.org/presentationml/2006/main">
   <p:cSld>
     <p:spTree>
@@ -7421,214 +8176,7 @@
 </p:sld>
 </file>
 
-<file path=ppt/slides/slide2.xml><?xml version="1.0" encoding="utf-8"?>
-<p:sld xmlns:a="http://schemas.openxmlformats.org/drawingml/2006/main" xmlns:r="http://schemas.openxmlformats.org/officeDocument/2006/relationships" xmlns:p="http://schemas.openxmlformats.org/presentationml/2006/main">
-  <p:cSld>
-    <p:spTree>
-      <p:nvGrpSpPr>
-        <p:cNvPr id="1" name=""/>
-        <p:cNvGrpSpPr/>
-        <p:nvPr/>
-      </p:nvGrpSpPr>
-      <p:grpSpPr>
-        <a:xfrm>
-          <a:off x="0" y="0"/>
-          <a:ext cx="0" cy="0"/>
-          <a:chOff x="0" y="0"/>
-          <a:chExt cx="0" cy="0"/>
-        </a:xfrm>
-      </p:grpSpPr>
-      <p:sp>
-        <p:nvSpPr>
-          <p:cNvPr id="2" name="Titel 1">
-            <a:extLst>
-              <a:ext uri="{FF2B5EF4-FFF2-40B4-BE49-F238E27FC236}">
-                <a16:creationId xmlns:a16="http://schemas.microsoft.com/office/drawing/2014/main" id="{F05BC4F7-6C5C-4D84-AD09-21A1BD725ADE}"/>
-              </a:ext>
-            </a:extLst>
-          </p:cNvPr>
-          <p:cNvSpPr>
-            <a:spLocks noGrp="1"/>
-          </p:cNvSpPr>
-          <p:nvPr>
-            <p:ph type="title"/>
-          </p:nvPr>
-        </p:nvSpPr>
-        <p:spPr/>
-        <p:txBody>
-          <a:bodyPr/>
-          <a:lstStyle/>
-          <a:p>
-            <a:r>
-              <a:rPr lang="en-GB" dirty="0" err="1">
-                <a:latin typeface="Segoe UI" panose="020B0502040204020203" pitchFamily="34" charset="0"/>
-                <a:cs typeface="Segoe UI" panose="020B0502040204020203" pitchFamily="34" charset="0"/>
-              </a:rPr>
-              <a:t>Voor</a:t>
-            </a:r>
-            <a:r>
-              <a:rPr lang="en-GB" dirty="0">
-                <a:latin typeface="Segoe UI" panose="020B0502040204020203" pitchFamily="34" charset="0"/>
-                <a:cs typeface="Segoe UI" panose="020B0502040204020203" pitchFamily="34" charset="0"/>
-              </a:rPr>
-              <a:t> We </a:t>
-            </a:r>
-            <a:r>
-              <a:rPr lang="en-GB" dirty="0" err="1">
-                <a:latin typeface="Segoe UI" panose="020B0502040204020203" pitchFamily="34" charset="0"/>
-                <a:cs typeface="Segoe UI" panose="020B0502040204020203" pitchFamily="34" charset="0"/>
-              </a:rPr>
-              <a:t>Beginnen</a:t>
-            </a:r>
-            <a:endParaRPr lang="en-GB" dirty="0">
-              <a:latin typeface="Segoe UI" panose="020B0502040204020203" pitchFamily="34" charset="0"/>
-              <a:cs typeface="Segoe UI" panose="020B0502040204020203" pitchFamily="34" charset="0"/>
-            </a:endParaRPr>
-          </a:p>
-        </p:txBody>
-      </p:sp>
-      <p:sp>
-        <p:nvSpPr>
-          <p:cNvPr id="3" name="Tijdelijke aanduiding voor inhoud 2">
-            <a:extLst>
-              <a:ext uri="{FF2B5EF4-FFF2-40B4-BE49-F238E27FC236}">
-                <a16:creationId xmlns:a16="http://schemas.microsoft.com/office/drawing/2014/main" id="{5DFEDF63-63CB-4163-BD78-EBCED782625E}"/>
-              </a:ext>
-            </a:extLst>
-          </p:cNvPr>
-          <p:cNvSpPr>
-            <a:spLocks noGrp="1"/>
-          </p:cNvSpPr>
-          <p:nvPr>
-            <p:ph idx="1"/>
-          </p:nvPr>
-        </p:nvSpPr>
-        <p:spPr/>
-        <p:txBody>
-          <a:bodyPr/>
-          <a:lstStyle/>
-          <a:p>
-            <a:pPr>
-              <a:buFont typeface="Arial" panose="020B0604020202020204" pitchFamily="34" charset="0"/>
-              <a:buChar char="•"/>
-            </a:pPr>
-            <a:r>
-              <a:rPr lang="en-GB" dirty="0">
-                <a:latin typeface="Segoe UI" panose="020B0502040204020203" pitchFamily="34" charset="0"/>
-                <a:cs typeface="Segoe UI" panose="020B0502040204020203" pitchFamily="34" charset="0"/>
-              </a:rPr>
-              <a:t> </a:t>
-            </a:r>
-            <a:r>
-              <a:rPr lang="en-GB" dirty="0" err="1">
-                <a:latin typeface="Segoe UI" panose="020B0502040204020203" pitchFamily="34" charset="0"/>
-                <a:cs typeface="Segoe UI" panose="020B0502040204020203" pitchFamily="34" charset="0"/>
-              </a:rPr>
-              <a:t>Vrijblijvend</a:t>
-            </a:r>
-            <a:endParaRPr lang="en-GB" dirty="0">
-              <a:latin typeface="Segoe UI" panose="020B0502040204020203" pitchFamily="34" charset="0"/>
-              <a:cs typeface="Segoe UI" panose="020B0502040204020203" pitchFamily="34" charset="0"/>
-            </a:endParaRPr>
-          </a:p>
-          <a:p>
-            <a:pPr>
-              <a:buFont typeface="Arial" panose="020B0604020202020204" pitchFamily="34" charset="0"/>
-              <a:buChar char="•"/>
-            </a:pPr>
-            <a:r>
-              <a:rPr lang="en-GB" dirty="0">
-                <a:latin typeface="Segoe UI" panose="020B0502040204020203" pitchFamily="34" charset="0"/>
-                <a:cs typeface="Segoe UI" panose="020B0502040204020203" pitchFamily="34" charset="0"/>
-              </a:rPr>
-              <a:t> </a:t>
-            </a:r>
-            <a:r>
-              <a:rPr lang="en-GB" dirty="0" err="1">
-                <a:latin typeface="Segoe UI" panose="020B0502040204020203" pitchFamily="34" charset="0"/>
-                <a:cs typeface="Segoe UI" panose="020B0502040204020203" pitchFamily="34" charset="0"/>
-              </a:rPr>
-              <a:t>Aanpassingen</a:t>
-            </a:r>
-            <a:r>
-              <a:rPr lang="en-GB" dirty="0">
-                <a:latin typeface="Segoe UI" panose="020B0502040204020203" pitchFamily="34" charset="0"/>
-                <a:cs typeface="Segoe UI" panose="020B0502040204020203" pitchFamily="34" charset="0"/>
-              </a:rPr>
-              <a:t> </a:t>
-            </a:r>
-            <a:r>
-              <a:rPr lang="en-GB" dirty="0" err="1">
-                <a:latin typeface="Segoe UI" panose="020B0502040204020203" pitchFamily="34" charset="0"/>
-                <a:cs typeface="Segoe UI" panose="020B0502040204020203" pitchFamily="34" charset="0"/>
-              </a:rPr>
-              <a:t>mogelijk</a:t>
-            </a:r>
-            <a:endParaRPr lang="en-GB" dirty="0">
-              <a:latin typeface="Segoe UI" panose="020B0502040204020203" pitchFamily="34" charset="0"/>
-              <a:cs typeface="Segoe UI" panose="020B0502040204020203" pitchFamily="34" charset="0"/>
-            </a:endParaRPr>
-          </a:p>
-          <a:p>
-            <a:pPr>
-              <a:buFont typeface="Arial" panose="020B0604020202020204" pitchFamily="34" charset="0"/>
-              <a:buChar char="•"/>
-            </a:pPr>
-            <a:r>
-              <a:rPr lang="en-GB" dirty="0">
-                <a:latin typeface="Segoe UI" panose="020B0502040204020203" pitchFamily="34" charset="0"/>
-                <a:cs typeface="Segoe UI" panose="020B0502040204020203" pitchFamily="34" charset="0"/>
-              </a:rPr>
-              <a:t> </a:t>
-            </a:r>
-            <a:r>
-              <a:rPr lang="en-GB" dirty="0" err="1">
-                <a:latin typeface="Segoe UI" panose="020B0502040204020203" pitchFamily="34" charset="0"/>
-                <a:cs typeface="Segoe UI" panose="020B0502040204020203" pitchFamily="34" charset="0"/>
-              </a:rPr>
-              <a:t>Vragen</a:t>
-            </a:r>
-            <a:r>
-              <a:rPr lang="en-GB" dirty="0">
-                <a:latin typeface="Segoe UI" panose="020B0502040204020203" pitchFamily="34" charset="0"/>
-                <a:cs typeface="Segoe UI" panose="020B0502040204020203" pitchFamily="34" charset="0"/>
-              </a:rPr>
-              <a:t>? </a:t>
-            </a:r>
-            <a:r>
-              <a:rPr lang="en-GB" dirty="0" err="1">
-                <a:latin typeface="Segoe UI" panose="020B0502040204020203" pitchFamily="34" charset="0"/>
-                <a:cs typeface="Segoe UI" panose="020B0502040204020203" pitchFamily="34" charset="0"/>
-              </a:rPr>
-              <a:t>Stel</a:t>
-            </a:r>
-            <a:r>
-              <a:rPr lang="en-GB" dirty="0">
-                <a:latin typeface="Segoe UI" panose="020B0502040204020203" pitchFamily="34" charset="0"/>
-                <a:cs typeface="Segoe UI" panose="020B0502040204020203" pitchFamily="34" charset="0"/>
-              </a:rPr>
-              <a:t> ze</a:t>
-            </a:r>
-          </a:p>
-        </p:txBody>
-      </p:sp>
-    </p:spTree>
-    <p:extLst>
-      <p:ext uri="{BB962C8B-B14F-4D97-AF65-F5344CB8AC3E}">
-        <p14:creationId xmlns:p14="http://schemas.microsoft.com/office/powerpoint/2010/main" val="3476582551"/>
-      </p:ext>
-    </p:extLst>
-  </p:cSld>
-  <p:clrMapOvr>
-    <a:masterClrMapping/>
-  </p:clrMapOvr>
-  <p:transition>
-    <p:fade/>
-  </p:transition>
-</p:sld>
-</file>
-
-<file path=ppt/slides/slide20.xml><?xml version="1.0" encoding="utf-8"?>
+<file path=ppt/slides/slide21.xml><?xml version="1.0" encoding="utf-8"?>
 <p:sld xmlns:a="http://schemas.openxmlformats.org/drawingml/2006/main" xmlns:r="http://schemas.openxmlformats.org/officeDocument/2006/relationships" xmlns:p="http://schemas.openxmlformats.org/presentationml/2006/main">
   <p:cSld>
     <p:spTree>
@@ -8046,7 +8594,7 @@
 </p:sld>
 </file>
 
-<file path=ppt/slides/slide21.xml><?xml version="1.0" encoding="utf-8"?>
+<file path=ppt/slides/slide22.xml><?xml version="1.0" encoding="utf-8"?>
 <p:sld xmlns:a="http://schemas.openxmlformats.org/drawingml/2006/main" xmlns:r="http://schemas.openxmlformats.org/officeDocument/2006/relationships" xmlns:p="http://schemas.openxmlformats.org/presentationml/2006/main">
   <p:cSld>
     <p:spTree>
@@ -8388,7 +8936,7 @@
 </p:sld>
 </file>
 
-<file path=ppt/slides/slide22.xml><?xml version="1.0" encoding="utf-8"?>
+<file path=ppt/slides/slide23.xml><?xml version="1.0" encoding="utf-8"?>
 <p:sld xmlns:a="http://schemas.openxmlformats.org/drawingml/2006/main" xmlns:r="http://schemas.openxmlformats.org/officeDocument/2006/relationships" xmlns:p="http://schemas.openxmlformats.org/presentationml/2006/main">
   <p:cSld>
     <p:spTree>
@@ -8688,7 +9236,7 @@
 </p:sld>
 </file>
 
-<file path=ppt/slides/slide23.xml><?xml version="1.0" encoding="utf-8"?>
+<file path=ppt/slides/slide24.xml><?xml version="1.0" encoding="utf-8"?>
 <p:sld xmlns:a="http://schemas.openxmlformats.org/drawingml/2006/main" xmlns:r="http://schemas.openxmlformats.org/officeDocument/2006/relationships" xmlns:p="http://schemas.openxmlformats.org/presentationml/2006/main">
   <p:cSld>
     <p:spTree>
@@ -9028,396 +9576,6 @@
 </p:sld>
 </file>
 
-<file path=ppt/slides/slide24.xml><?xml version="1.0" encoding="utf-8"?>
-<p:sld xmlns:a="http://schemas.openxmlformats.org/drawingml/2006/main" xmlns:r="http://schemas.openxmlformats.org/officeDocument/2006/relationships" xmlns:p="http://schemas.openxmlformats.org/presentationml/2006/main">
-  <p:cSld>
-    <p:spTree>
-      <p:nvGrpSpPr>
-        <p:cNvPr id="1" name=""/>
-        <p:cNvGrpSpPr/>
-        <p:nvPr/>
-      </p:nvGrpSpPr>
-      <p:grpSpPr>
-        <a:xfrm>
-          <a:off x="0" y="0"/>
-          <a:ext cx="0" cy="0"/>
-          <a:chOff x="0" y="0"/>
-          <a:chExt cx="0" cy="0"/>
-        </a:xfrm>
-      </p:grpSpPr>
-      <p:sp>
-        <p:nvSpPr>
-          <p:cNvPr id="2" name="Titel 1">
-            <a:extLst>
-              <a:ext uri="{FF2B5EF4-FFF2-40B4-BE49-F238E27FC236}">
-                <a16:creationId xmlns:a16="http://schemas.microsoft.com/office/drawing/2014/main" id="{AF8602B3-218E-49DA-8CFF-C7CE0F8C82BC}"/>
-              </a:ext>
-            </a:extLst>
-          </p:cNvPr>
-          <p:cNvSpPr>
-            <a:spLocks noGrp="1"/>
-          </p:cNvSpPr>
-          <p:nvPr>
-            <p:ph type="title"/>
-          </p:nvPr>
-        </p:nvSpPr>
-        <p:spPr/>
-        <p:txBody>
-          <a:bodyPr/>
-          <a:lstStyle/>
-          <a:p>
-            <a:r>
-              <a:rPr lang="en-GB" dirty="0" err="1">
-                <a:latin typeface="Segoe UI" panose="020B0502040204020203" pitchFamily="34" charset="0"/>
-                <a:cs typeface="Segoe UI" panose="020B0502040204020203" pitchFamily="34" charset="0"/>
-              </a:rPr>
-              <a:t>Installatie</a:t>
-            </a:r>
-            <a:r>
-              <a:rPr lang="en-GB" dirty="0">
-                <a:latin typeface="Segoe UI" panose="020B0502040204020203" pitchFamily="34" charset="0"/>
-                <a:cs typeface="Segoe UI" panose="020B0502040204020203" pitchFamily="34" charset="0"/>
-              </a:rPr>
-              <a:t> &amp; </a:t>
-            </a:r>
-            <a:r>
-              <a:rPr lang="en-GB" dirty="0" err="1">
-                <a:latin typeface="Segoe UI" panose="020B0502040204020203" pitchFamily="34" charset="0"/>
-                <a:cs typeface="Segoe UI" panose="020B0502040204020203" pitchFamily="34" charset="0"/>
-              </a:rPr>
-              <a:t>Verder</a:t>
-            </a:r>
-            <a:r>
-              <a:rPr lang="en-GB" dirty="0">
-                <a:latin typeface="Segoe UI" panose="020B0502040204020203" pitchFamily="34" charset="0"/>
-                <a:cs typeface="Segoe UI" panose="020B0502040204020203" pitchFamily="34" charset="0"/>
-              </a:rPr>
-              <a:t> </a:t>
-            </a:r>
-            <a:r>
-              <a:rPr lang="en-GB" dirty="0" err="1">
-                <a:latin typeface="Segoe UI" panose="020B0502040204020203" pitchFamily="34" charset="0"/>
-                <a:cs typeface="Segoe UI" panose="020B0502040204020203" pitchFamily="34" charset="0"/>
-              </a:rPr>
-              <a:t>Verloop</a:t>
-            </a:r>
-            <a:endParaRPr lang="en-GB" dirty="0">
-              <a:latin typeface="Segoe UI" panose="020B0502040204020203" pitchFamily="34" charset="0"/>
-              <a:cs typeface="Segoe UI" panose="020B0502040204020203" pitchFamily="34" charset="0"/>
-            </a:endParaRPr>
-          </a:p>
-        </p:txBody>
-      </p:sp>
-      <p:sp>
-        <p:nvSpPr>
-          <p:cNvPr id="3" name="Tijdelijke aanduiding voor inhoud 2">
-            <a:extLst>
-              <a:ext uri="{FF2B5EF4-FFF2-40B4-BE49-F238E27FC236}">
-                <a16:creationId xmlns:a16="http://schemas.microsoft.com/office/drawing/2014/main" id="{514F0ABA-EC52-4AAF-9E74-5D85A79C9199}"/>
-              </a:ext>
-            </a:extLst>
-          </p:cNvPr>
-          <p:cNvSpPr>
-            <a:spLocks noGrp="1"/>
-          </p:cNvSpPr>
-          <p:nvPr>
-            <p:ph idx="1"/>
-          </p:nvPr>
-        </p:nvSpPr>
-        <p:spPr/>
-        <p:txBody>
-          <a:bodyPr/>
-          <a:lstStyle/>
-          <a:p>
-            <a:pPr>
-              <a:buFont typeface="Arial" panose="020B0604020202020204" pitchFamily="34" charset="0"/>
-              <a:buChar char="•"/>
-            </a:pPr>
-            <a:r>
-              <a:rPr lang="en-GB" dirty="0">
-                <a:latin typeface="Segoe UI" panose="020B0502040204020203" pitchFamily="34" charset="0"/>
-                <a:cs typeface="Segoe UI" panose="020B0502040204020203" pitchFamily="34" charset="0"/>
-              </a:rPr>
-              <a:t> </a:t>
-            </a:r>
-            <a:r>
-              <a:rPr lang="en-GB" dirty="0" err="1">
-                <a:latin typeface="Segoe UI" panose="020B0502040204020203" pitchFamily="34" charset="0"/>
-                <a:cs typeface="Segoe UI" panose="020B0502040204020203" pitchFamily="34" charset="0"/>
-              </a:rPr>
-              <a:t>Geschatte</a:t>
-            </a:r>
-            <a:r>
-              <a:rPr lang="en-GB" dirty="0">
-                <a:latin typeface="Segoe UI" panose="020B0502040204020203" pitchFamily="34" charset="0"/>
-                <a:cs typeface="Segoe UI" panose="020B0502040204020203" pitchFamily="34" charset="0"/>
-              </a:rPr>
-              <a:t> </a:t>
-            </a:r>
-            <a:r>
-              <a:rPr lang="en-GB" dirty="0" err="1">
-                <a:latin typeface="Segoe UI" panose="020B0502040204020203" pitchFamily="34" charset="0"/>
-                <a:cs typeface="Segoe UI" panose="020B0502040204020203" pitchFamily="34" charset="0"/>
-              </a:rPr>
-              <a:t>installatieduur</a:t>
-            </a:r>
-            <a:r>
-              <a:rPr lang="en-GB" dirty="0">
-                <a:latin typeface="Segoe UI" panose="020B0502040204020203" pitchFamily="34" charset="0"/>
-                <a:cs typeface="Segoe UI" panose="020B0502040204020203" pitchFamily="34" charset="0"/>
-              </a:rPr>
-              <a:t>: 3 </a:t>
-            </a:r>
-            <a:r>
-              <a:rPr lang="en-GB" dirty="0" err="1">
-                <a:latin typeface="Segoe UI" panose="020B0502040204020203" pitchFamily="34" charset="0"/>
-                <a:cs typeface="Segoe UI" panose="020B0502040204020203" pitchFamily="34" charset="0"/>
-              </a:rPr>
-              <a:t>werkdagen</a:t>
-            </a:r>
-            <a:r>
-              <a:rPr lang="en-GB" dirty="0">
-                <a:latin typeface="Segoe UI" panose="020B0502040204020203" pitchFamily="34" charset="0"/>
-                <a:cs typeface="Segoe UI" panose="020B0502040204020203" pitchFamily="34" charset="0"/>
-              </a:rPr>
-              <a:t> (24 </a:t>
-            </a:r>
-            <a:r>
-              <a:rPr lang="en-GB" dirty="0" err="1">
-                <a:latin typeface="Segoe UI" panose="020B0502040204020203" pitchFamily="34" charset="0"/>
-                <a:cs typeface="Segoe UI" panose="020B0502040204020203" pitchFamily="34" charset="0"/>
-              </a:rPr>
-              <a:t>uur</a:t>
-            </a:r>
-            <a:r>
-              <a:rPr lang="en-GB" dirty="0">
-                <a:latin typeface="Segoe UI" panose="020B0502040204020203" pitchFamily="34" charset="0"/>
-                <a:cs typeface="Segoe UI" panose="020B0502040204020203" pitchFamily="34" charset="0"/>
-              </a:rPr>
-              <a:t>)</a:t>
-            </a:r>
-          </a:p>
-          <a:p>
-            <a:pPr>
-              <a:buFont typeface="Arial" panose="020B0604020202020204" pitchFamily="34" charset="0"/>
-              <a:buChar char="•"/>
-            </a:pPr>
-            <a:r>
-              <a:rPr lang="en-GB" dirty="0">
-                <a:latin typeface="Segoe UI" panose="020B0502040204020203" pitchFamily="34" charset="0"/>
-                <a:cs typeface="Segoe UI" panose="020B0502040204020203" pitchFamily="34" charset="0"/>
-              </a:rPr>
-              <a:t> </a:t>
-            </a:r>
-            <a:r>
-              <a:rPr lang="en-GB" dirty="0" err="1">
-                <a:latin typeface="Segoe UI" panose="020B0502040204020203" pitchFamily="34" charset="0"/>
-                <a:cs typeface="Segoe UI" panose="020B0502040204020203" pitchFamily="34" charset="0"/>
-              </a:rPr>
-              <a:t>Opleiding</a:t>
-            </a:r>
-            <a:r>
-              <a:rPr lang="en-GB" dirty="0">
-                <a:latin typeface="Segoe UI" panose="020B0502040204020203" pitchFamily="34" charset="0"/>
-                <a:cs typeface="Segoe UI" panose="020B0502040204020203" pitchFamily="34" charset="0"/>
-              </a:rPr>
-              <a:t>: 2 </a:t>
-            </a:r>
-            <a:r>
-              <a:rPr lang="en-GB" dirty="0" err="1">
-                <a:latin typeface="Segoe UI" panose="020B0502040204020203" pitchFamily="34" charset="0"/>
-                <a:cs typeface="Segoe UI" panose="020B0502040204020203" pitchFamily="34" charset="0"/>
-              </a:rPr>
-              <a:t>dagen</a:t>
-            </a:r>
-            <a:r>
-              <a:rPr lang="en-GB" dirty="0">
-                <a:latin typeface="Segoe UI" panose="020B0502040204020203" pitchFamily="34" charset="0"/>
-                <a:cs typeface="Segoe UI" panose="020B0502040204020203" pitchFamily="34" charset="0"/>
-              </a:rPr>
-              <a:t> (16 </a:t>
-            </a:r>
-            <a:r>
-              <a:rPr lang="en-GB" dirty="0" err="1">
-                <a:latin typeface="Segoe UI" panose="020B0502040204020203" pitchFamily="34" charset="0"/>
-                <a:cs typeface="Segoe UI" panose="020B0502040204020203" pitchFamily="34" charset="0"/>
-              </a:rPr>
-              <a:t>uur</a:t>
-            </a:r>
-            <a:r>
-              <a:rPr lang="en-GB" dirty="0">
-                <a:latin typeface="Segoe UI" panose="020B0502040204020203" pitchFamily="34" charset="0"/>
-                <a:cs typeface="Segoe UI" panose="020B0502040204020203" pitchFamily="34" charset="0"/>
-              </a:rPr>
-              <a:t>)</a:t>
-            </a:r>
-          </a:p>
-          <a:p>
-            <a:pPr>
-              <a:buFont typeface="Arial" panose="020B0604020202020204" pitchFamily="34" charset="0"/>
-              <a:buChar char="•"/>
-            </a:pPr>
-            <a:r>
-              <a:rPr lang="en-GB" dirty="0">
-                <a:latin typeface="Segoe UI" panose="020B0502040204020203" pitchFamily="34" charset="0"/>
-                <a:cs typeface="Segoe UI" panose="020B0502040204020203" pitchFamily="34" charset="0"/>
-              </a:rPr>
-              <a:t> </a:t>
-            </a:r>
-            <a:r>
-              <a:rPr lang="en-GB" dirty="0" err="1">
-                <a:latin typeface="Segoe UI" panose="020B0502040204020203" pitchFamily="34" charset="0"/>
-                <a:cs typeface="Segoe UI" panose="020B0502040204020203" pitchFamily="34" charset="0"/>
-              </a:rPr>
-              <a:t>Garantie</a:t>
-            </a:r>
-            <a:r>
-              <a:rPr lang="en-GB" dirty="0">
-                <a:latin typeface="Segoe UI" panose="020B0502040204020203" pitchFamily="34" charset="0"/>
-                <a:cs typeface="Segoe UI" panose="020B0502040204020203" pitchFamily="34" charset="0"/>
-              </a:rPr>
-              <a:t> op </a:t>
-            </a:r>
-            <a:r>
-              <a:rPr lang="en-GB" dirty="0" err="1">
-                <a:latin typeface="Segoe UI" panose="020B0502040204020203" pitchFamily="34" charset="0"/>
-                <a:cs typeface="Segoe UI" panose="020B0502040204020203" pitchFamily="34" charset="0"/>
-              </a:rPr>
-              <a:t>installatie</a:t>
-            </a:r>
-            <a:r>
-              <a:rPr lang="en-GB" dirty="0">
-                <a:latin typeface="Segoe UI" panose="020B0502040204020203" pitchFamily="34" charset="0"/>
-                <a:cs typeface="Segoe UI" panose="020B0502040204020203" pitchFamily="34" charset="0"/>
-              </a:rPr>
-              <a:t> </a:t>
-            </a:r>
-            <a:r>
-              <a:rPr lang="en-GB" dirty="0" err="1">
-                <a:latin typeface="Segoe UI" panose="020B0502040204020203" pitchFamily="34" charset="0"/>
-                <a:cs typeface="Segoe UI" panose="020B0502040204020203" pitchFamily="34" charset="0"/>
-              </a:rPr>
-              <a:t>en</a:t>
-            </a:r>
-            <a:r>
-              <a:rPr lang="en-GB" dirty="0">
-                <a:latin typeface="Segoe UI" panose="020B0502040204020203" pitchFamily="34" charset="0"/>
-                <a:cs typeface="Segoe UI" panose="020B0502040204020203" pitchFamily="34" charset="0"/>
-              </a:rPr>
-              <a:t> </a:t>
-            </a:r>
-            <a:r>
-              <a:rPr lang="en-GB" dirty="0" err="1">
-                <a:latin typeface="Segoe UI" panose="020B0502040204020203" pitchFamily="34" charset="0"/>
-                <a:cs typeface="Segoe UI" panose="020B0502040204020203" pitchFamily="34" charset="0"/>
-              </a:rPr>
-              <a:t>apparatuur</a:t>
-            </a:r>
-            <a:r>
-              <a:rPr lang="en-GB" dirty="0">
-                <a:latin typeface="Segoe UI" panose="020B0502040204020203" pitchFamily="34" charset="0"/>
-                <a:cs typeface="Segoe UI" panose="020B0502040204020203" pitchFamily="34" charset="0"/>
-              </a:rPr>
-              <a:t>: 2 </a:t>
-            </a:r>
-            <a:r>
-              <a:rPr lang="en-GB" dirty="0" err="1">
-                <a:latin typeface="Segoe UI" panose="020B0502040204020203" pitchFamily="34" charset="0"/>
-                <a:cs typeface="Segoe UI" panose="020B0502040204020203" pitchFamily="34" charset="0"/>
-              </a:rPr>
-              <a:t>jaar</a:t>
-            </a:r>
-            <a:endParaRPr lang="en-GB" dirty="0">
-              <a:latin typeface="Segoe UI" panose="020B0502040204020203" pitchFamily="34" charset="0"/>
-              <a:cs typeface="Segoe UI" panose="020B0502040204020203" pitchFamily="34" charset="0"/>
-            </a:endParaRPr>
-          </a:p>
-          <a:p>
-            <a:pPr>
-              <a:buFont typeface="Arial" panose="020B0604020202020204" pitchFamily="34" charset="0"/>
-              <a:buChar char="•"/>
-            </a:pPr>
-            <a:r>
-              <a:rPr lang="en-GB" dirty="0">
-                <a:latin typeface="Segoe UI" panose="020B0502040204020203" pitchFamily="34" charset="0"/>
-                <a:cs typeface="Segoe UI" panose="020B0502040204020203" pitchFamily="34" charset="0"/>
-              </a:rPr>
-              <a:t> </a:t>
-            </a:r>
-            <a:r>
-              <a:rPr lang="en-GB" dirty="0" err="1">
-                <a:latin typeface="Segoe UI" panose="020B0502040204020203" pitchFamily="34" charset="0"/>
-                <a:cs typeface="Segoe UI" panose="020B0502040204020203" pitchFamily="34" charset="0"/>
-              </a:rPr>
-              <a:t>Optioneel</a:t>
-            </a:r>
-            <a:r>
-              <a:rPr lang="en-GB" dirty="0">
-                <a:latin typeface="Segoe UI" panose="020B0502040204020203" pitchFamily="34" charset="0"/>
-                <a:cs typeface="Segoe UI" panose="020B0502040204020203" pitchFamily="34" charset="0"/>
-              </a:rPr>
-              <a:t> </a:t>
-            </a:r>
-            <a:r>
-              <a:rPr lang="en-GB" dirty="0" err="1">
-                <a:latin typeface="Segoe UI" panose="020B0502040204020203" pitchFamily="34" charset="0"/>
-                <a:cs typeface="Segoe UI" panose="020B0502040204020203" pitchFamily="34" charset="0"/>
-              </a:rPr>
-              <a:t>onderhoudscontract</a:t>
-            </a:r>
-            <a:endParaRPr lang="en-GB" dirty="0">
-              <a:latin typeface="Segoe UI" panose="020B0502040204020203" pitchFamily="34" charset="0"/>
-              <a:cs typeface="Segoe UI" panose="020B0502040204020203" pitchFamily="34" charset="0"/>
-            </a:endParaRPr>
-          </a:p>
-          <a:p>
-            <a:pPr lvl="1">
-              <a:buFont typeface="Arial" panose="020B0604020202020204" pitchFamily="34" charset="0"/>
-              <a:buChar char="•"/>
-            </a:pPr>
-            <a:r>
-              <a:rPr lang="en-GB" dirty="0">
-                <a:latin typeface="Segoe UI" panose="020B0502040204020203" pitchFamily="34" charset="0"/>
-                <a:cs typeface="Segoe UI" panose="020B0502040204020203" pitchFamily="34" charset="0"/>
-              </a:rPr>
-              <a:t>24/7 Helpdesk</a:t>
-            </a:r>
-          </a:p>
-          <a:p>
-            <a:pPr lvl="1">
-              <a:buFont typeface="Arial" panose="020B0604020202020204" pitchFamily="34" charset="0"/>
-              <a:buChar char="•"/>
-            </a:pPr>
-            <a:r>
-              <a:rPr lang="en-GB" dirty="0" err="1">
-                <a:latin typeface="Segoe UI" panose="020B0502040204020203" pitchFamily="34" charset="0"/>
-                <a:cs typeface="Segoe UI" panose="020B0502040204020203" pitchFamily="34" charset="0"/>
-              </a:rPr>
-              <a:t>Interventies</a:t>
-            </a:r>
-            <a:endParaRPr lang="en-GB" dirty="0">
-              <a:latin typeface="Segoe UI" panose="020B0502040204020203" pitchFamily="34" charset="0"/>
-              <a:cs typeface="Segoe UI" panose="020B0502040204020203" pitchFamily="34" charset="0"/>
-            </a:endParaRPr>
-          </a:p>
-        </p:txBody>
-      </p:sp>
-    </p:spTree>
-    <p:extLst>
-      <p:ext uri="{BB962C8B-B14F-4D97-AF65-F5344CB8AC3E}">
-        <p14:creationId xmlns:p14="http://schemas.microsoft.com/office/powerpoint/2010/main" val="1669128925"/>
-      </p:ext>
-    </p:extLst>
-  </p:cSld>
-  <p:clrMapOvr>
-    <a:masterClrMapping/>
-  </p:clrMapOvr>
-  <p:transition>
-    <p:fade/>
-  </p:transition>
-</p:sld>
-</file>
-
 <file path=ppt/slides/slide25.xml><?xml version="1.0" encoding="utf-8"?>
 <p:sld xmlns:a="http://schemas.openxmlformats.org/drawingml/2006/main" xmlns:r="http://schemas.openxmlformats.org/officeDocument/2006/relationships" xmlns:p="http://schemas.openxmlformats.org/presentationml/2006/main">
   <p:cSld>
@@ -9440,6 +9598,396 @@
           <p:cNvPr id="2" name="Titel 1">
             <a:extLst>
               <a:ext uri="{FF2B5EF4-FFF2-40B4-BE49-F238E27FC236}">
+                <a16:creationId xmlns:a16="http://schemas.microsoft.com/office/drawing/2014/main" id="{AF8602B3-218E-49DA-8CFF-C7CE0F8C82BC}"/>
+              </a:ext>
+            </a:extLst>
+          </p:cNvPr>
+          <p:cNvSpPr>
+            <a:spLocks noGrp="1"/>
+          </p:cNvSpPr>
+          <p:nvPr>
+            <p:ph type="title"/>
+          </p:nvPr>
+        </p:nvSpPr>
+        <p:spPr/>
+        <p:txBody>
+          <a:bodyPr/>
+          <a:lstStyle/>
+          <a:p>
+            <a:r>
+              <a:rPr lang="en-GB" dirty="0" err="1">
+                <a:latin typeface="Segoe UI" panose="020B0502040204020203" pitchFamily="34" charset="0"/>
+                <a:cs typeface="Segoe UI" panose="020B0502040204020203" pitchFamily="34" charset="0"/>
+              </a:rPr>
+              <a:t>Installatie</a:t>
+            </a:r>
+            <a:r>
+              <a:rPr lang="en-GB" dirty="0">
+                <a:latin typeface="Segoe UI" panose="020B0502040204020203" pitchFamily="34" charset="0"/>
+                <a:cs typeface="Segoe UI" panose="020B0502040204020203" pitchFamily="34" charset="0"/>
+              </a:rPr>
+              <a:t> &amp; </a:t>
+            </a:r>
+            <a:r>
+              <a:rPr lang="en-GB" dirty="0" err="1">
+                <a:latin typeface="Segoe UI" panose="020B0502040204020203" pitchFamily="34" charset="0"/>
+                <a:cs typeface="Segoe UI" panose="020B0502040204020203" pitchFamily="34" charset="0"/>
+              </a:rPr>
+              <a:t>Verder</a:t>
+            </a:r>
+            <a:r>
+              <a:rPr lang="en-GB" dirty="0">
+                <a:latin typeface="Segoe UI" panose="020B0502040204020203" pitchFamily="34" charset="0"/>
+                <a:cs typeface="Segoe UI" panose="020B0502040204020203" pitchFamily="34" charset="0"/>
+              </a:rPr>
+              <a:t> </a:t>
+            </a:r>
+            <a:r>
+              <a:rPr lang="en-GB" dirty="0" err="1">
+                <a:latin typeface="Segoe UI" panose="020B0502040204020203" pitchFamily="34" charset="0"/>
+                <a:cs typeface="Segoe UI" panose="020B0502040204020203" pitchFamily="34" charset="0"/>
+              </a:rPr>
+              <a:t>Verloop</a:t>
+            </a:r>
+            <a:endParaRPr lang="en-GB" dirty="0">
+              <a:latin typeface="Segoe UI" panose="020B0502040204020203" pitchFamily="34" charset="0"/>
+              <a:cs typeface="Segoe UI" panose="020B0502040204020203" pitchFamily="34" charset="0"/>
+            </a:endParaRPr>
+          </a:p>
+        </p:txBody>
+      </p:sp>
+      <p:sp>
+        <p:nvSpPr>
+          <p:cNvPr id="3" name="Tijdelijke aanduiding voor inhoud 2">
+            <a:extLst>
+              <a:ext uri="{FF2B5EF4-FFF2-40B4-BE49-F238E27FC236}">
+                <a16:creationId xmlns:a16="http://schemas.microsoft.com/office/drawing/2014/main" id="{514F0ABA-EC52-4AAF-9E74-5D85A79C9199}"/>
+              </a:ext>
+            </a:extLst>
+          </p:cNvPr>
+          <p:cNvSpPr>
+            <a:spLocks noGrp="1"/>
+          </p:cNvSpPr>
+          <p:nvPr>
+            <p:ph idx="1"/>
+          </p:nvPr>
+        </p:nvSpPr>
+        <p:spPr/>
+        <p:txBody>
+          <a:bodyPr/>
+          <a:lstStyle/>
+          <a:p>
+            <a:pPr>
+              <a:buFont typeface="Arial" panose="020B0604020202020204" pitchFamily="34" charset="0"/>
+              <a:buChar char="•"/>
+            </a:pPr>
+            <a:r>
+              <a:rPr lang="en-GB" dirty="0">
+                <a:latin typeface="Segoe UI" panose="020B0502040204020203" pitchFamily="34" charset="0"/>
+                <a:cs typeface="Segoe UI" panose="020B0502040204020203" pitchFamily="34" charset="0"/>
+              </a:rPr>
+              <a:t> </a:t>
+            </a:r>
+            <a:r>
+              <a:rPr lang="en-GB" dirty="0" err="1">
+                <a:latin typeface="Segoe UI" panose="020B0502040204020203" pitchFamily="34" charset="0"/>
+                <a:cs typeface="Segoe UI" panose="020B0502040204020203" pitchFamily="34" charset="0"/>
+              </a:rPr>
+              <a:t>Geschatte</a:t>
+            </a:r>
+            <a:r>
+              <a:rPr lang="en-GB" dirty="0">
+                <a:latin typeface="Segoe UI" panose="020B0502040204020203" pitchFamily="34" charset="0"/>
+                <a:cs typeface="Segoe UI" panose="020B0502040204020203" pitchFamily="34" charset="0"/>
+              </a:rPr>
+              <a:t> </a:t>
+            </a:r>
+            <a:r>
+              <a:rPr lang="en-GB" dirty="0" err="1">
+                <a:latin typeface="Segoe UI" panose="020B0502040204020203" pitchFamily="34" charset="0"/>
+                <a:cs typeface="Segoe UI" panose="020B0502040204020203" pitchFamily="34" charset="0"/>
+              </a:rPr>
+              <a:t>installatieduur</a:t>
+            </a:r>
+            <a:r>
+              <a:rPr lang="en-GB" dirty="0">
+                <a:latin typeface="Segoe UI" panose="020B0502040204020203" pitchFamily="34" charset="0"/>
+                <a:cs typeface="Segoe UI" panose="020B0502040204020203" pitchFamily="34" charset="0"/>
+              </a:rPr>
+              <a:t>: 3 </a:t>
+            </a:r>
+            <a:r>
+              <a:rPr lang="en-GB" dirty="0" err="1">
+                <a:latin typeface="Segoe UI" panose="020B0502040204020203" pitchFamily="34" charset="0"/>
+                <a:cs typeface="Segoe UI" panose="020B0502040204020203" pitchFamily="34" charset="0"/>
+              </a:rPr>
+              <a:t>werkdagen</a:t>
+            </a:r>
+            <a:r>
+              <a:rPr lang="en-GB" dirty="0">
+                <a:latin typeface="Segoe UI" panose="020B0502040204020203" pitchFamily="34" charset="0"/>
+                <a:cs typeface="Segoe UI" panose="020B0502040204020203" pitchFamily="34" charset="0"/>
+              </a:rPr>
+              <a:t> (24 </a:t>
+            </a:r>
+            <a:r>
+              <a:rPr lang="en-GB" dirty="0" err="1">
+                <a:latin typeface="Segoe UI" panose="020B0502040204020203" pitchFamily="34" charset="0"/>
+                <a:cs typeface="Segoe UI" panose="020B0502040204020203" pitchFamily="34" charset="0"/>
+              </a:rPr>
+              <a:t>uur</a:t>
+            </a:r>
+            <a:r>
+              <a:rPr lang="en-GB" dirty="0">
+                <a:latin typeface="Segoe UI" panose="020B0502040204020203" pitchFamily="34" charset="0"/>
+                <a:cs typeface="Segoe UI" panose="020B0502040204020203" pitchFamily="34" charset="0"/>
+              </a:rPr>
+              <a:t>)</a:t>
+            </a:r>
+          </a:p>
+          <a:p>
+            <a:pPr>
+              <a:buFont typeface="Arial" panose="020B0604020202020204" pitchFamily="34" charset="0"/>
+              <a:buChar char="•"/>
+            </a:pPr>
+            <a:r>
+              <a:rPr lang="en-GB" dirty="0">
+                <a:latin typeface="Segoe UI" panose="020B0502040204020203" pitchFamily="34" charset="0"/>
+                <a:cs typeface="Segoe UI" panose="020B0502040204020203" pitchFamily="34" charset="0"/>
+              </a:rPr>
+              <a:t> </a:t>
+            </a:r>
+            <a:r>
+              <a:rPr lang="en-GB" dirty="0" err="1">
+                <a:latin typeface="Segoe UI" panose="020B0502040204020203" pitchFamily="34" charset="0"/>
+                <a:cs typeface="Segoe UI" panose="020B0502040204020203" pitchFamily="34" charset="0"/>
+              </a:rPr>
+              <a:t>Opleiding</a:t>
+            </a:r>
+            <a:r>
+              <a:rPr lang="en-GB" dirty="0">
+                <a:latin typeface="Segoe UI" panose="020B0502040204020203" pitchFamily="34" charset="0"/>
+                <a:cs typeface="Segoe UI" panose="020B0502040204020203" pitchFamily="34" charset="0"/>
+              </a:rPr>
+              <a:t>: 2 </a:t>
+            </a:r>
+            <a:r>
+              <a:rPr lang="en-GB" dirty="0" err="1">
+                <a:latin typeface="Segoe UI" panose="020B0502040204020203" pitchFamily="34" charset="0"/>
+                <a:cs typeface="Segoe UI" panose="020B0502040204020203" pitchFamily="34" charset="0"/>
+              </a:rPr>
+              <a:t>dagen</a:t>
+            </a:r>
+            <a:r>
+              <a:rPr lang="en-GB" dirty="0">
+                <a:latin typeface="Segoe UI" panose="020B0502040204020203" pitchFamily="34" charset="0"/>
+                <a:cs typeface="Segoe UI" panose="020B0502040204020203" pitchFamily="34" charset="0"/>
+              </a:rPr>
+              <a:t> (16 </a:t>
+            </a:r>
+            <a:r>
+              <a:rPr lang="en-GB" dirty="0" err="1">
+                <a:latin typeface="Segoe UI" panose="020B0502040204020203" pitchFamily="34" charset="0"/>
+                <a:cs typeface="Segoe UI" panose="020B0502040204020203" pitchFamily="34" charset="0"/>
+              </a:rPr>
+              <a:t>uur</a:t>
+            </a:r>
+            <a:r>
+              <a:rPr lang="en-GB" dirty="0">
+                <a:latin typeface="Segoe UI" panose="020B0502040204020203" pitchFamily="34" charset="0"/>
+                <a:cs typeface="Segoe UI" panose="020B0502040204020203" pitchFamily="34" charset="0"/>
+              </a:rPr>
+              <a:t>)</a:t>
+            </a:r>
+          </a:p>
+          <a:p>
+            <a:pPr>
+              <a:buFont typeface="Arial" panose="020B0604020202020204" pitchFamily="34" charset="0"/>
+              <a:buChar char="•"/>
+            </a:pPr>
+            <a:r>
+              <a:rPr lang="en-GB" dirty="0">
+                <a:latin typeface="Segoe UI" panose="020B0502040204020203" pitchFamily="34" charset="0"/>
+                <a:cs typeface="Segoe UI" panose="020B0502040204020203" pitchFamily="34" charset="0"/>
+              </a:rPr>
+              <a:t> </a:t>
+            </a:r>
+            <a:r>
+              <a:rPr lang="en-GB" dirty="0" err="1">
+                <a:latin typeface="Segoe UI" panose="020B0502040204020203" pitchFamily="34" charset="0"/>
+                <a:cs typeface="Segoe UI" panose="020B0502040204020203" pitchFamily="34" charset="0"/>
+              </a:rPr>
+              <a:t>Garantie</a:t>
+            </a:r>
+            <a:r>
+              <a:rPr lang="en-GB" dirty="0">
+                <a:latin typeface="Segoe UI" panose="020B0502040204020203" pitchFamily="34" charset="0"/>
+                <a:cs typeface="Segoe UI" panose="020B0502040204020203" pitchFamily="34" charset="0"/>
+              </a:rPr>
+              <a:t> op </a:t>
+            </a:r>
+            <a:r>
+              <a:rPr lang="en-GB" dirty="0" err="1">
+                <a:latin typeface="Segoe UI" panose="020B0502040204020203" pitchFamily="34" charset="0"/>
+                <a:cs typeface="Segoe UI" panose="020B0502040204020203" pitchFamily="34" charset="0"/>
+              </a:rPr>
+              <a:t>installatie</a:t>
+            </a:r>
+            <a:r>
+              <a:rPr lang="en-GB" dirty="0">
+                <a:latin typeface="Segoe UI" panose="020B0502040204020203" pitchFamily="34" charset="0"/>
+                <a:cs typeface="Segoe UI" panose="020B0502040204020203" pitchFamily="34" charset="0"/>
+              </a:rPr>
+              <a:t> </a:t>
+            </a:r>
+            <a:r>
+              <a:rPr lang="en-GB" dirty="0" err="1">
+                <a:latin typeface="Segoe UI" panose="020B0502040204020203" pitchFamily="34" charset="0"/>
+                <a:cs typeface="Segoe UI" panose="020B0502040204020203" pitchFamily="34" charset="0"/>
+              </a:rPr>
+              <a:t>en</a:t>
+            </a:r>
+            <a:r>
+              <a:rPr lang="en-GB" dirty="0">
+                <a:latin typeface="Segoe UI" panose="020B0502040204020203" pitchFamily="34" charset="0"/>
+                <a:cs typeface="Segoe UI" panose="020B0502040204020203" pitchFamily="34" charset="0"/>
+              </a:rPr>
+              <a:t> </a:t>
+            </a:r>
+            <a:r>
+              <a:rPr lang="en-GB" dirty="0" err="1">
+                <a:latin typeface="Segoe UI" panose="020B0502040204020203" pitchFamily="34" charset="0"/>
+                <a:cs typeface="Segoe UI" panose="020B0502040204020203" pitchFamily="34" charset="0"/>
+              </a:rPr>
+              <a:t>apparatuur</a:t>
+            </a:r>
+            <a:r>
+              <a:rPr lang="en-GB" dirty="0">
+                <a:latin typeface="Segoe UI" panose="020B0502040204020203" pitchFamily="34" charset="0"/>
+                <a:cs typeface="Segoe UI" panose="020B0502040204020203" pitchFamily="34" charset="0"/>
+              </a:rPr>
+              <a:t>: 2 </a:t>
+            </a:r>
+            <a:r>
+              <a:rPr lang="en-GB" dirty="0" err="1">
+                <a:latin typeface="Segoe UI" panose="020B0502040204020203" pitchFamily="34" charset="0"/>
+                <a:cs typeface="Segoe UI" panose="020B0502040204020203" pitchFamily="34" charset="0"/>
+              </a:rPr>
+              <a:t>jaar</a:t>
+            </a:r>
+            <a:endParaRPr lang="en-GB" dirty="0">
+              <a:latin typeface="Segoe UI" panose="020B0502040204020203" pitchFamily="34" charset="0"/>
+              <a:cs typeface="Segoe UI" panose="020B0502040204020203" pitchFamily="34" charset="0"/>
+            </a:endParaRPr>
+          </a:p>
+          <a:p>
+            <a:pPr>
+              <a:buFont typeface="Arial" panose="020B0604020202020204" pitchFamily="34" charset="0"/>
+              <a:buChar char="•"/>
+            </a:pPr>
+            <a:r>
+              <a:rPr lang="en-GB" dirty="0">
+                <a:latin typeface="Segoe UI" panose="020B0502040204020203" pitchFamily="34" charset="0"/>
+                <a:cs typeface="Segoe UI" panose="020B0502040204020203" pitchFamily="34" charset="0"/>
+              </a:rPr>
+              <a:t> </a:t>
+            </a:r>
+            <a:r>
+              <a:rPr lang="en-GB" dirty="0" err="1">
+                <a:latin typeface="Segoe UI" panose="020B0502040204020203" pitchFamily="34" charset="0"/>
+                <a:cs typeface="Segoe UI" panose="020B0502040204020203" pitchFamily="34" charset="0"/>
+              </a:rPr>
+              <a:t>Optioneel</a:t>
+            </a:r>
+            <a:r>
+              <a:rPr lang="en-GB" dirty="0">
+                <a:latin typeface="Segoe UI" panose="020B0502040204020203" pitchFamily="34" charset="0"/>
+                <a:cs typeface="Segoe UI" panose="020B0502040204020203" pitchFamily="34" charset="0"/>
+              </a:rPr>
+              <a:t> </a:t>
+            </a:r>
+            <a:r>
+              <a:rPr lang="en-GB" dirty="0" err="1">
+                <a:latin typeface="Segoe UI" panose="020B0502040204020203" pitchFamily="34" charset="0"/>
+                <a:cs typeface="Segoe UI" panose="020B0502040204020203" pitchFamily="34" charset="0"/>
+              </a:rPr>
+              <a:t>onderhoudscontract</a:t>
+            </a:r>
+            <a:endParaRPr lang="en-GB" dirty="0">
+              <a:latin typeface="Segoe UI" panose="020B0502040204020203" pitchFamily="34" charset="0"/>
+              <a:cs typeface="Segoe UI" panose="020B0502040204020203" pitchFamily="34" charset="0"/>
+            </a:endParaRPr>
+          </a:p>
+          <a:p>
+            <a:pPr lvl="1">
+              <a:buFont typeface="Arial" panose="020B0604020202020204" pitchFamily="34" charset="0"/>
+              <a:buChar char="•"/>
+            </a:pPr>
+            <a:r>
+              <a:rPr lang="en-GB" dirty="0">
+                <a:latin typeface="Segoe UI" panose="020B0502040204020203" pitchFamily="34" charset="0"/>
+                <a:cs typeface="Segoe UI" panose="020B0502040204020203" pitchFamily="34" charset="0"/>
+              </a:rPr>
+              <a:t>24/7 Helpdesk</a:t>
+            </a:r>
+          </a:p>
+          <a:p>
+            <a:pPr lvl="1">
+              <a:buFont typeface="Arial" panose="020B0604020202020204" pitchFamily="34" charset="0"/>
+              <a:buChar char="•"/>
+            </a:pPr>
+            <a:r>
+              <a:rPr lang="en-GB" dirty="0" err="1">
+                <a:latin typeface="Segoe UI" panose="020B0502040204020203" pitchFamily="34" charset="0"/>
+                <a:cs typeface="Segoe UI" panose="020B0502040204020203" pitchFamily="34" charset="0"/>
+              </a:rPr>
+              <a:t>Interventies</a:t>
+            </a:r>
+            <a:endParaRPr lang="en-GB" dirty="0">
+              <a:latin typeface="Segoe UI" panose="020B0502040204020203" pitchFamily="34" charset="0"/>
+              <a:cs typeface="Segoe UI" panose="020B0502040204020203" pitchFamily="34" charset="0"/>
+            </a:endParaRPr>
+          </a:p>
+        </p:txBody>
+      </p:sp>
+    </p:spTree>
+    <p:extLst>
+      <p:ext uri="{BB962C8B-B14F-4D97-AF65-F5344CB8AC3E}">
+        <p14:creationId xmlns:p14="http://schemas.microsoft.com/office/powerpoint/2010/main" val="1669128925"/>
+      </p:ext>
+    </p:extLst>
+  </p:cSld>
+  <p:clrMapOvr>
+    <a:masterClrMapping/>
+  </p:clrMapOvr>
+  <p:transition>
+    <p:fade/>
+  </p:transition>
+</p:sld>
+</file>
+
+<file path=ppt/slides/slide26.xml><?xml version="1.0" encoding="utf-8"?>
+<p:sld xmlns:a="http://schemas.openxmlformats.org/drawingml/2006/main" xmlns:r="http://schemas.openxmlformats.org/officeDocument/2006/relationships" xmlns:p="http://schemas.openxmlformats.org/presentationml/2006/main">
+  <p:cSld>
+    <p:spTree>
+      <p:nvGrpSpPr>
+        <p:cNvPr id="1" name=""/>
+        <p:cNvGrpSpPr/>
+        <p:nvPr/>
+      </p:nvGrpSpPr>
+      <p:grpSpPr>
+        <a:xfrm>
+          <a:off x="0" y="0"/>
+          <a:ext cx="0" cy="0"/>
+          <a:chOff x="0" y="0"/>
+          <a:chExt cx="0" cy="0"/>
+        </a:xfrm>
+      </p:grpSpPr>
+      <p:sp>
+        <p:nvSpPr>
+          <p:cNvPr id="2" name="Titel 1">
+            <a:extLst>
+              <a:ext uri="{FF2B5EF4-FFF2-40B4-BE49-F238E27FC236}">
                 <a16:creationId xmlns:a16="http://schemas.microsoft.com/office/drawing/2014/main" id="{B9150B5B-D4AB-4360-8885-408FB39752A3}"/>
               </a:ext>
             </a:extLst>
@@ -9541,7 +10089,7 @@
 </p:sld>
 </file>
 
-<file path=ppt/slides/slide26.xml><?xml version="1.0" encoding="utf-8"?>
+<file path=ppt/slides/slide27.xml><?xml version="1.0" encoding="utf-8"?>
 <p:sld xmlns:a="http://schemas.openxmlformats.org/drawingml/2006/main" xmlns:r="http://schemas.openxmlformats.org/officeDocument/2006/relationships" xmlns:p="http://schemas.openxmlformats.org/presentationml/2006/main">
   <p:cSld>
     <p:bg>

--- a/opdracht03/G36/Voorstelling G36.pptx
+++ b/opdracht03/G36/Voorstelling G36.pptx
@@ -382,7 +382,7 @@
           <a:p>
             <a:fld id="{21E0E73E-28F6-4BC4-9376-BACB29DCC267}" type="slidenum">
               <a:rPr lang="en-GB" smtClean="0"/>
-              <a:t>‹nr.›</a:t>
+              <a:t>‹#›</a:t>
             </a:fld>
             <a:endParaRPr lang="en-GB"/>
           </a:p>
@@ -759,7 +759,7 @@
           <a:p>
             <a:fld id="{BBF25187-E848-42D0-BFD9-F4D5D620A638}" type="slidenum">
               <a:rPr lang="en-GB" smtClean="0"/>
-              <a:t>‹nr.›</a:t>
+              <a:t>‹#›</a:t>
             </a:fld>
             <a:endParaRPr lang="en-GB"/>
           </a:p>
@@ -970,7 +970,7 @@
           <a:p>
             <a:fld id="{BBF25187-E848-42D0-BFD9-F4D5D620A638}" type="slidenum">
               <a:rPr lang="en-GB" smtClean="0"/>
-              <a:t>‹nr.›</a:t>
+              <a:t>‹#›</a:t>
             </a:fld>
             <a:endParaRPr lang="en-GB"/>
           </a:p>
@@ -1229,7 +1229,7 @@
           <a:p>
             <a:fld id="{BBF25187-E848-42D0-BFD9-F4D5D620A638}" type="slidenum">
               <a:rPr lang="en-GB" smtClean="0"/>
-              <a:t>‹nr.›</a:t>
+              <a:t>‹#›</a:t>
             </a:fld>
             <a:endParaRPr lang="en-GB"/>
           </a:p>
@@ -1402,7 +1402,7 @@
           <a:p>
             <a:fld id="{BBF25187-E848-42D0-BFD9-F4D5D620A638}" type="slidenum">
               <a:rPr lang="en-GB" smtClean="0"/>
-              <a:t>‹nr.›</a:t>
+              <a:t>‹#›</a:t>
             </a:fld>
             <a:endParaRPr lang="en-GB"/>
           </a:p>
@@ -1748,7 +1748,7 @@
           <a:p>
             <a:fld id="{BBF25187-E848-42D0-BFD9-F4D5D620A638}" type="slidenum">
               <a:rPr lang="en-GB" smtClean="0"/>
-              <a:t>‹nr.›</a:t>
+              <a:t>‹#›</a:t>
             </a:fld>
             <a:endParaRPr lang="en-GB"/>
           </a:p>
@@ -2026,7 +2026,7 @@
           <a:p>
             <a:fld id="{BBF25187-E848-42D0-BFD9-F4D5D620A638}" type="slidenum">
               <a:rPr lang="en-GB" smtClean="0"/>
-              <a:t>‹nr.›</a:t>
+              <a:t>‹#›</a:t>
             </a:fld>
             <a:endParaRPr lang="en-GB"/>
           </a:p>
@@ -2408,7 +2408,7 @@
           <a:p>
             <a:fld id="{BBF25187-E848-42D0-BFD9-F4D5D620A638}" type="slidenum">
               <a:rPr lang="en-GB" smtClean="0"/>
-              <a:t>‹nr.›</a:t>
+              <a:t>‹#›</a:t>
             </a:fld>
             <a:endParaRPr lang="en-GB"/>
           </a:p>
@@ -2529,7 +2529,7 @@
           <a:p>
             <a:fld id="{BBF25187-E848-42D0-BFD9-F4D5D620A638}" type="slidenum">
               <a:rPr lang="en-GB" smtClean="0"/>
-              <a:t>‹nr.›</a:t>
+              <a:t>‹#›</a:t>
             </a:fld>
             <a:endParaRPr lang="en-GB"/>
           </a:p>
@@ -2711,7 +2711,7 @@
           <a:p>
             <a:fld id="{BBF25187-E848-42D0-BFD9-F4D5D620A638}" type="slidenum">
               <a:rPr lang="en-GB" smtClean="0"/>
-              <a:t>‹nr.›</a:t>
+              <a:t>‹#›</a:t>
             </a:fld>
             <a:endParaRPr lang="en-GB"/>
           </a:p>
@@ -3081,7 +3081,7 @@
           <a:p>
             <a:fld id="{BBF25187-E848-42D0-BFD9-F4D5D620A638}" type="slidenum">
               <a:rPr lang="en-GB" smtClean="0"/>
-              <a:t>‹nr.›</a:t>
+              <a:t>‹#›</a:t>
             </a:fld>
             <a:endParaRPr lang="en-GB"/>
           </a:p>
@@ -3440,7 +3440,7 @@
           <a:p>
             <a:fld id="{BBF25187-E848-42D0-BFD9-F4D5D620A638}" type="slidenum">
               <a:rPr lang="en-GB" smtClean="0"/>
-              <a:t>‹nr.›</a:t>
+              <a:t>‹#›</a:t>
             </a:fld>
             <a:endParaRPr lang="en-GB"/>
           </a:p>
@@ -3762,7 +3762,7 @@
           <a:p>
             <a:fld id="{BBF25187-E848-42D0-BFD9-F4D5D620A638}" type="slidenum">
               <a:rPr lang="en-GB" smtClean="0"/>
-              <a:t>‹nr.›</a:t>
+              <a:t>‹#›</a:t>
             </a:fld>
             <a:endParaRPr lang="en-GB"/>
           </a:p>
@@ -10748,10 +10748,10 @@
       </p:sp>
       <p:pic>
         <p:nvPicPr>
-          <p:cNvPr id="5" name="Afbeelding 4">
+          <p:cNvPr id="4" name="Picture 3">
             <a:extLst>
               <a:ext uri="{FF2B5EF4-FFF2-40B4-BE49-F238E27FC236}">
-                <a16:creationId xmlns:a16="http://schemas.microsoft.com/office/drawing/2014/main" id="{9F04EF11-97C6-45FA-AD3F-63E25A06578E}"/>
+                <a16:creationId xmlns:a16="http://schemas.microsoft.com/office/drawing/2014/main" id="{44BE4BB8-AD65-41B8-8A48-B18AA0F140B6}"/>
               </a:ext>
             </a:extLst>
           </p:cNvPr>
@@ -10768,8 +10768,8 @@
         </p:blipFill>
         <p:spPr>
           <a:xfrm>
-            <a:off x="1633542" y="1845734"/>
-            <a:ext cx="8985875" cy="4097866"/>
+            <a:off x="1174918" y="1636772"/>
+            <a:ext cx="10058400" cy="4681268"/>
           </a:xfrm>
           <a:prstGeom prst="rect">
             <a:avLst/>

--- a/opdracht03/G36/Voorstelling G36.pptx
+++ b/opdracht03/G36/Voorstelling G36.pptx
@@ -223,7 +223,7 @@
           <a:p>
             <a:fld id="{8795BD13-A9C0-4833-9A37-05C32DB0F83C}" type="datetimeFigureOut">
               <a:rPr lang="en-GB" smtClean="0"/>
-              <a:t>05/05/2019</a:t>
+              <a:t>06/05/2019</a:t>
             </a:fld>
             <a:endParaRPr lang="en-GB"/>
           </a:p>
@@ -382,7 +382,7 @@
           <a:p>
             <a:fld id="{21E0E73E-28F6-4BC4-9376-BACB29DCC267}" type="slidenum">
               <a:rPr lang="en-GB" smtClean="0"/>
-              <a:t>‹#›</a:t>
+              <a:t>‹nr.›</a:t>
             </a:fld>
             <a:endParaRPr lang="en-GB"/>
           </a:p>
@@ -717,7 +717,7 @@
           <a:p>
             <a:fld id="{76FCA46D-55D7-4D00-B507-F3F903E4163B}" type="datetimeFigureOut">
               <a:rPr lang="en-GB" smtClean="0"/>
-              <a:t>05/05/2019</a:t>
+              <a:t>06/05/2019</a:t>
             </a:fld>
             <a:endParaRPr lang="en-GB"/>
           </a:p>
@@ -759,7 +759,7 @@
           <a:p>
             <a:fld id="{BBF25187-E848-42D0-BFD9-F4D5D620A638}" type="slidenum">
               <a:rPr lang="en-GB" smtClean="0"/>
-              <a:t>‹#›</a:t>
+              <a:t>‹nr.›</a:t>
             </a:fld>
             <a:endParaRPr lang="en-GB"/>
           </a:p>
@@ -928,7 +928,7 @@
           <a:p>
             <a:fld id="{76FCA46D-55D7-4D00-B507-F3F903E4163B}" type="datetimeFigureOut">
               <a:rPr lang="en-GB" smtClean="0"/>
-              <a:t>05/05/2019</a:t>
+              <a:t>06/05/2019</a:t>
             </a:fld>
             <a:endParaRPr lang="en-GB"/>
           </a:p>
@@ -970,7 +970,7 @@
           <a:p>
             <a:fld id="{BBF25187-E848-42D0-BFD9-F4D5D620A638}" type="slidenum">
               <a:rPr lang="en-GB" smtClean="0"/>
-              <a:t>‹#›</a:t>
+              <a:t>‹nr.›</a:t>
             </a:fld>
             <a:endParaRPr lang="en-GB"/>
           </a:p>
@@ -1187,7 +1187,7 @@
           <a:p>
             <a:fld id="{76FCA46D-55D7-4D00-B507-F3F903E4163B}" type="datetimeFigureOut">
               <a:rPr lang="en-GB" smtClean="0"/>
-              <a:t>05/05/2019</a:t>
+              <a:t>06/05/2019</a:t>
             </a:fld>
             <a:endParaRPr lang="en-GB"/>
           </a:p>
@@ -1229,7 +1229,7 @@
           <a:p>
             <a:fld id="{BBF25187-E848-42D0-BFD9-F4D5D620A638}" type="slidenum">
               <a:rPr lang="en-GB" smtClean="0"/>
-              <a:t>‹#›</a:t>
+              <a:t>‹nr.›</a:t>
             </a:fld>
             <a:endParaRPr lang="en-GB"/>
           </a:p>
@@ -1360,7 +1360,7 @@
           <a:p>
             <a:fld id="{76FCA46D-55D7-4D00-B507-F3F903E4163B}" type="datetimeFigureOut">
               <a:rPr lang="en-GB" smtClean="0"/>
-              <a:t>05/05/2019</a:t>
+              <a:t>06/05/2019</a:t>
             </a:fld>
             <a:endParaRPr lang="en-GB"/>
           </a:p>
@@ -1402,7 +1402,7 @@
           <a:p>
             <a:fld id="{BBF25187-E848-42D0-BFD9-F4D5D620A638}" type="slidenum">
               <a:rPr lang="en-GB" smtClean="0"/>
-              <a:t>‹#›</a:t>
+              <a:t>‹nr.›</a:t>
             </a:fld>
             <a:endParaRPr lang="en-GB"/>
           </a:p>
@@ -1706,7 +1706,7 @@
           <a:p>
             <a:fld id="{76FCA46D-55D7-4D00-B507-F3F903E4163B}" type="datetimeFigureOut">
               <a:rPr lang="en-GB" smtClean="0"/>
-              <a:t>05/05/2019</a:t>
+              <a:t>06/05/2019</a:t>
             </a:fld>
             <a:endParaRPr lang="en-GB"/>
           </a:p>
@@ -1748,7 +1748,7 @@
           <a:p>
             <a:fld id="{BBF25187-E848-42D0-BFD9-F4D5D620A638}" type="slidenum">
               <a:rPr lang="en-GB" smtClean="0"/>
-              <a:t>‹#›</a:t>
+              <a:t>‹nr.›</a:t>
             </a:fld>
             <a:endParaRPr lang="en-GB"/>
           </a:p>
@@ -1984,7 +1984,7 @@
           <a:p>
             <a:fld id="{76FCA46D-55D7-4D00-B507-F3F903E4163B}" type="datetimeFigureOut">
               <a:rPr lang="en-GB" smtClean="0"/>
-              <a:t>05/05/2019</a:t>
+              <a:t>06/05/2019</a:t>
             </a:fld>
             <a:endParaRPr lang="en-GB"/>
           </a:p>
@@ -2026,7 +2026,7 @@
           <a:p>
             <a:fld id="{BBF25187-E848-42D0-BFD9-F4D5D620A638}" type="slidenum">
               <a:rPr lang="en-GB" smtClean="0"/>
-              <a:t>‹#›</a:t>
+              <a:t>‹nr.›</a:t>
             </a:fld>
             <a:endParaRPr lang="en-GB"/>
           </a:p>
@@ -2366,7 +2366,7 @@
           <a:p>
             <a:fld id="{76FCA46D-55D7-4D00-B507-F3F903E4163B}" type="datetimeFigureOut">
               <a:rPr lang="en-GB" smtClean="0"/>
-              <a:t>05/05/2019</a:t>
+              <a:t>06/05/2019</a:t>
             </a:fld>
             <a:endParaRPr lang="en-GB"/>
           </a:p>
@@ -2408,7 +2408,7 @@
           <a:p>
             <a:fld id="{BBF25187-E848-42D0-BFD9-F4D5D620A638}" type="slidenum">
               <a:rPr lang="en-GB" smtClean="0"/>
-              <a:t>‹#›</a:t>
+              <a:t>‹nr.›</a:t>
             </a:fld>
             <a:endParaRPr lang="en-GB"/>
           </a:p>
@@ -2487,7 +2487,7 @@
           <a:p>
             <a:fld id="{76FCA46D-55D7-4D00-B507-F3F903E4163B}" type="datetimeFigureOut">
               <a:rPr lang="en-GB" smtClean="0"/>
-              <a:t>05/05/2019</a:t>
+              <a:t>06/05/2019</a:t>
             </a:fld>
             <a:endParaRPr lang="en-GB"/>
           </a:p>
@@ -2529,7 +2529,7 @@
           <a:p>
             <a:fld id="{BBF25187-E848-42D0-BFD9-F4D5D620A638}" type="slidenum">
               <a:rPr lang="en-GB" smtClean="0"/>
-              <a:t>‹#›</a:t>
+              <a:t>‹nr.›</a:t>
             </a:fld>
             <a:endParaRPr lang="en-GB"/>
           </a:p>
@@ -2661,7 +2661,7 @@
           <a:p>
             <a:fld id="{76FCA46D-55D7-4D00-B507-F3F903E4163B}" type="datetimeFigureOut">
               <a:rPr lang="en-GB" smtClean="0"/>
-              <a:t>05/05/2019</a:t>
+              <a:t>06/05/2019</a:t>
             </a:fld>
             <a:endParaRPr lang="en-GB"/>
           </a:p>
@@ -2711,7 +2711,7 @@
           <a:p>
             <a:fld id="{BBF25187-E848-42D0-BFD9-F4D5D620A638}" type="slidenum">
               <a:rPr lang="en-GB" smtClean="0"/>
-              <a:t>‹#›</a:t>
+              <a:t>‹nr.›</a:t>
             </a:fld>
             <a:endParaRPr lang="en-GB"/>
           </a:p>
@@ -3018,7 +3018,7 @@
           <a:p>
             <a:fld id="{76FCA46D-55D7-4D00-B507-F3F903E4163B}" type="datetimeFigureOut">
               <a:rPr lang="en-GB" smtClean="0"/>
-              <a:t>05/05/2019</a:t>
+              <a:t>06/05/2019</a:t>
             </a:fld>
             <a:endParaRPr lang="en-GB"/>
           </a:p>
@@ -3081,7 +3081,7 @@
           <a:p>
             <a:fld id="{BBF25187-E848-42D0-BFD9-F4D5D620A638}" type="slidenum">
               <a:rPr lang="en-GB" smtClean="0"/>
-              <a:t>‹#›</a:t>
+              <a:t>‹nr.›</a:t>
             </a:fld>
             <a:endParaRPr lang="en-GB"/>
           </a:p>
@@ -3398,7 +3398,7 @@
           <a:p>
             <a:fld id="{76FCA46D-55D7-4D00-B507-F3F903E4163B}" type="datetimeFigureOut">
               <a:rPr lang="en-GB" smtClean="0"/>
-              <a:t>05/05/2019</a:t>
+              <a:t>06/05/2019</a:t>
             </a:fld>
             <a:endParaRPr lang="en-GB"/>
           </a:p>
@@ -3440,7 +3440,7 @@
           <a:p>
             <a:fld id="{BBF25187-E848-42D0-BFD9-F4D5D620A638}" type="slidenum">
               <a:rPr lang="en-GB" smtClean="0"/>
-              <a:t>‹#›</a:t>
+              <a:t>‹nr.›</a:t>
             </a:fld>
             <a:endParaRPr lang="en-GB"/>
           </a:p>
@@ -3688,7 +3688,7 @@
           <a:p>
             <a:fld id="{76FCA46D-55D7-4D00-B507-F3F903E4163B}" type="datetimeFigureOut">
               <a:rPr lang="en-GB" smtClean="0"/>
-              <a:t>05/05/2019</a:t>
+              <a:t>06/05/2019</a:t>
             </a:fld>
             <a:endParaRPr lang="en-GB"/>
           </a:p>
@@ -3762,7 +3762,7 @@
           <a:p>
             <a:fld id="{BBF25187-E848-42D0-BFD9-F4D5D620A638}" type="slidenum">
               <a:rPr lang="en-GB" smtClean="0"/>
-              <a:t>‹#›</a:t>
+              <a:t>‹nr.›</a:t>
             </a:fld>
             <a:endParaRPr lang="en-GB"/>
           </a:p>
@@ -5372,8 +5372,19 @@
                 <a:latin typeface="Segoe UI" panose="020B0502040204020203" pitchFamily="34" charset="0"/>
                 <a:cs typeface="Segoe UI" panose="020B0502040204020203" pitchFamily="34" charset="0"/>
               </a:rPr>
-              <a:t> 1U</a:t>
-            </a:r>
+              <a:t> 1U </a:t>
+            </a:r>
+            <a:r>
+              <a:rPr lang="en-GB" dirty="0" err="1">
+                <a:latin typeface="Segoe UI" panose="020B0502040204020203" pitchFamily="34" charset="0"/>
+                <a:cs typeface="Segoe UI" panose="020B0502040204020203" pitchFamily="34" charset="0"/>
+              </a:rPr>
+              <a:t>vormfactor</a:t>
+            </a:r>
+            <a:endParaRPr lang="en-GB" dirty="0">
+              <a:latin typeface="Segoe UI" panose="020B0502040204020203" pitchFamily="34" charset="0"/>
+              <a:cs typeface="Segoe UI" panose="020B0502040204020203" pitchFamily="34" charset="0"/>
+            </a:endParaRPr>
           </a:p>
           <a:p>
             <a:pPr marL="0" indent="0">
@@ -5563,42 +5574,14 @@
                 <a:latin typeface="Segoe UI" panose="020B0502040204020203" pitchFamily="34" charset="0"/>
                 <a:cs typeface="Segoe UI" panose="020B0502040204020203" pitchFamily="34" charset="0"/>
               </a:rPr>
-              <a:t> </a:t>
-            </a:r>
-            <a:r>
-              <a:rPr lang="en-GB" dirty="0" err="1">
-                <a:latin typeface="Segoe UI" panose="020B0502040204020203" pitchFamily="34" charset="0"/>
-                <a:cs typeface="Segoe UI" panose="020B0502040204020203" pitchFamily="34" charset="0"/>
-              </a:rPr>
-              <a:t>Meerdere</a:t>
-            </a:r>
-            <a:r>
-              <a:rPr lang="en-GB" dirty="0">
-                <a:latin typeface="Segoe UI" panose="020B0502040204020203" pitchFamily="34" charset="0"/>
-                <a:cs typeface="Segoe UI" panose="020B0502040204020203" pitchFamily="34" charset="0"/>
-              </a:rPr>
-              <a:t> SSIDs (</a:t>
-            </a:r>
-            <a:r>
-              <a:rPr lang="en-GB" dirty="0" err="1">
-                <a:latin typeface="Segoe UI" panose="020B0502040204020203" pitchFamily="34" charset="0"/>
-                <a:cs typeface="Segoe UI" panose="020B0502040204020203" pitchFamily="34" charset="0"/>
-              </a:rPr>
-              <a:t>Wifi</a:t>
-            </a:r>
-            <a:r>
-              <a:rPr lang="en-GB" dirty="0">
-                <a:latin typeface="Segoe UI" panose="020B0502040204020203" pitchFamily="34" charset="0"/>
-                <a:cs typeface="Segoe UI" panose="020B0502040204020203" pitchFamily="34" charset="0"/>
-              </a:rPr>
-              <a:t> </a:t>
-            </a:r>
-            <a:r>
-              <a:rPr lang="en-GB" dirty="0" err="1">
-                <a:latin typeface="Segoe UI" panose="020B0502040204020203" pitchFamily="34" charset="0"/>
-                <a:cs typeface="Segoe UI" panose="020B0502040204020203" pitchFamily="34" charset="0"/>
-              </a:rPr>
-              <a:t>netwerken</a:t>
+              <a:t> Meerdere SSIDs (Guest- en </a:t>
+            </a:r>
+            <a:r>
+              <a:rPr lang="en-GB" dirty="0" err="1">
+                <a:latin typeface="Segoe UI" panose="020B0502040204020203" pitchFamily="34" charset="0"/>
+                <a:cs typeface="Segoe UI" panose="020B0502040204020203" pitchFamily="34" charset="0"/>
+              </a:rPr>
+              <a:t>kantoornetwerk</a:t>
             </a:r>
             <a:r>
               <a:rPr lang="en-GB" dirty="0">
@@ -6383,6 +6366,20 @@
                 <a:cs typeface="Segoe UI" panose="020B0502040204020203" pitchFamily="34" charset="0"/>
               </a:rPr>
               <a:t> 4U </a:t>
+            </a:r>
+            <a:r>
+              <a:rPr lang="en-GB" dirty="0" err="1">
+                <a:latin typeface="Segoe UI" panose="020B0502040204020203" pitchFamily="34" charset="0"/>
+                <a:cs typeface="Segoe UI" panose="020B0502040204020203" pitchFamily="34" charset="0"/>
+              </a:rPr>
+              <a:t>vormfactor</a:t>
+            </a:r>
+            <a:r>
+              <a:rPr lang="en-GB" dirty="0">
+                <a:latin typeface="Segoe UI" panose="020B0502040204020203" pitchFamily="34" charset="0"/>
+                <a:cs typeface="Segoe UI" panose="020B0502040204020203" pitchFamily="34" charset="0"/>
+              </a:rPr>
+              <a:t> </a:t>
             </a:r>
             <a:r>
               <a:rPr lang="en-GB" dirty="0">
@@ -7854,20 +7851,6 @@
                 <a:cs typeface="Segoe UI" panose="020B0502040204020203" pitchFamily="34" charset="0"/>
               </a:rPr>
               <a:t>? </a:t>
-            </a:r>
-            <a:r>
-              <a:rPr lang="en-GB" dirty="0" err="1">
-                <a:latin typeface="Segoe UI" panose="020B0502040204020203" pitchFamily="34" charset="0"/>
-                <a:cs typeface="Segoe UI" panose="020B0502040204020203" pitchFamily="34" charset="0"/>
-              </a:rPr>
-              <a:t>Stel</a:t>
-            </a:r>
-            <a:r>
-              <a:rPr lang="en-GB" dirty="0">
-                <a:latin typeface="Segoe UI" panose="020B0502040204020203" pitchFamily="34" charset="0"/>
-                <a:cs typeface="Segoe UI" panose="020B0502040204020203" pitchFamily="34" charset="0"/>
-              </a:rPr>
-              <a:t> ze</a:t>
             </a:r>
           </a:p>
           <a:p>
@@ -10968,8 +10951,19 @@
                 <a:latin typeface="Segoe UI" panose="020B0502040204020203" pitchFamily="34" charset="0"/>
                 <a:cs typeface="Segoe UI" panose="020B0502040204020203" pitchFamily="34" charset="0"/>
               </a:rPr>
-              <a:t> Server Rack: StarTech - 4U</a:t>
-            </a:r>
+              <a:t> Server Rack: StarTech - 4U </a:t>
+            </a:r>
+            <a:r>
+              <a:rPr lang="en-GB" dirty="0" err="1">
+                <a:latin typeface="Segoe UI" panose="020B0502040204020203" pitchFamily="34" charset="0"/>
+                <a:cs typeface="Segoe UI" panose="020B0502040204020203" pitchFamily="34" charset="0"/>
+              </a:rPr>
+              <a:t>vormfactor</a:t>
+            </a:r>
+            <a:endParaRPr lang="en-GB" dirty="0">
+              <a:latin typeface="Segoe UI" panose="020B0502040204020203" pitchFamily="34" charset="0"/>
+              <a:cs typeface="Segoe UI" panose="020B0502040204020203" pitchFamily="34" charset="0"/>
+            </a:endParaRPr>
           </a:p>
           <a:p>
             <a:pPr>
@@ -11135,6 +11129,13 @@
               <a:buChar char="•"/>
             </a:pPr>
             <a:r>
+              <a:rPr lang="en-GB" dirty="0">
+                <a:latin typeface="Segoe UI" panose="020B0502040204020203" pitchFamily="34" charset="0"/>
+                <a:cs typeface="Segoe UI" panose="020B0502040204020203" pitchFamily="34" charset="0"/>
+              </a:rPr>
+              <a:t> </a:t>
+            </a:r>
+            <a:r>
               <a:rPr lang="en-GB" dirty="0" err="1">
                 <a:latin typeface="Segoe UI" panose="020B0502040204020203" pitchFamily="34" charset="0"/>
                 <a:cs typeface="Segoe UI" panose="020B0502040204020203" pitchFamily="34" charset="0"/>
@@ -11172,8 +11173,19 @@
                 <a:latin typeface="Segoe UI" panose="020B0502040204020203" pitchFamily="34" charset="0"/>
                 <a:cs typeface="Segoe UI" panose="020B0502040204020203" pitchFamily="34" charset="0"/>
               </a:rPr>
-              <a:t>Kabel</a:t>
-            </a:r>
+              <a:t> </a:t>
+            </a:r>
+            <a:r>
+              <a:rPr lang="en-GB" dirty="0" err="1">
+                <a:latin typeface="Segoe UI" panose="020B0502040204020203" pitchFamily="34" charset="0"/>
+                <a:cs typeface="Segoe UI" panose="020B0502040204020203" pitchFamily="34" charset="0"/>
+              </a:rPr>
+              <a:t>Kabelverbinding</a:t>
+            </a:r>
+            <a:endParaRPr lang="en-GB" dirty="0">
+              <a:latin typeface="Segoe UI" panose="020B0502040204020203" pitchFamily="34" charset="0"/>
+              <a:cs typeface="Segoe UI" panose="020B0502040204020203" pitchFamily="34" charset="0"/>
+            </a:endParaRPr>
           </a:p>
           <a:p>
             <a:pPr>
@@ -11490,21 +11502,7 @@
                 <a:latin typeface="Segoe UI" panose="020B0502040204020203" pitchFamily="34" charset="0"/>
                 <a:cs typeface="Segoe UI" panose="020B0502040204020203" pitchFamily="34" charset="0"/>
               </a:rPr>
-              <a:t> router </a:t>
-            </a:r>
-            <a:r>
-              <a:rPr lang="en-GB" dirty="0" err="1">
-                <a:latin typeface="Segoe UI" panose="020B0502040204020203" pitchFamily="34" charset="0"/>
-                <a:cs typeface="Segoe UI" panose="020B0502040204020203" pitchFamily="34" charset="0"/>
-              </a:rPr>
-              <a:t>voor</a:t>
-            </a:r>
-            <a:r>
-              <a:rPr lang="en-GB" dirty="0">
-                <a:latin typeface="Segoe UI" panose="020B0502040204020203" pitchFamily="34" charset="0"/>
-                <a:cs typeface="Segoe UI" panose="020B0502040204020203" pitchFamily="34" charset="0"/>
-              </a:rPr>
-              <a:t> </a:t>
+              <a:t> router voor </a:t>
             </a:r>
             <a:r>
               <a:rPr lang="en-GB" dirty="0" err="1">
@@ -11542,19 +11540,6 @@
                 <a:latin typeface="Segoe UI" panose="020B0502040204020203" pitchFamily="34" charset="0"/>
                 <a:cs typeface="Segoe UI" panose="020B0502040204020203" pitchFamily="34" charset="0"/>
               </a:rPr>
-              <a:t> VPN</a:t>
-            </a:r>
-          </a:p>
-          <a:p>
-            <a:pPr>
-              <a:buFont typeface="Arial" panose="020B0604020202020204" pitchFamily="34" charset="0"/>
-              <a:buChar char="•"/>
-            </a:pPr>
-            <a:r>
-              <a:rPr lang="en-GB" dirty="0">
-                <a:latin typeface="Segoe UI" panose="020B0502040204020203" pitchFamily="34" charset="0"/>
-                <a:cs typeface="Segoe UI" panose="020B0502040204020203" pitchFamily="34" charset="0"/>
-              </a:rPr>
               <a:t> </a:t>
             </a:r>
             <a:r>
@@ -11635,21 +11620,43 @@
                 <a:latin typeface="Segoe UI" panose="020B0502040204020203" pitchFamily="34" charset="0"/>
                 <a:cs typeface="Segoe UI" panose="020B0502040204020203" pitchFamily="34" charset="0"/>
               </a:rPr>
-              <a:t> tot 4k V</a:t>
-            </a:r>
-          </a:p>
-          <a:p>
-            <a:pPr>
-              <a:buFont typeface="Arial" panose="020B0604020202020204" pitchFamily="34" charset="0"/>
-              <a:buChar char="•"/>
-            </a:pPr>
-            <a:r>
-              <a:rPr lang="en-GB" dirty="0">
-                <a:latin typeface="Segoe UI" panose="020B0502040204020203" pitchFamily="34" charset="0"/>
-                <a:cs typeface="Segoe UI" panose="020B0502040204020203" pitchFamily="34" charset="0"/>
-              </a:rPr>
-              <a:t> 1U</a:t>
-            </a:r>
+              <a:t> en </a:t>
+            </a:r>
+            <a:r>
+              <a:rPr lang="en-GB" dirty="0" err="1">
+                <a:latin typeface="Segoe UI" panose="020B0502040204020203" pitchFamily="34" charset="0"/>
+                <a:cs typeface="Segoe UI" panose="020B0502040204020203" pitchFamily="34" charset="0"/>
+              </a:rPr>
+              <a:t>stroomstoten</a:t>
+            </a:r>
+            <a:endParaRPr lang="en-GB" dirty="0">
+              <a:latin typeface="Segoe UI" panose="020B0502040204020203" pitchFamily="34" charset="0"/>
+              <a:cs typeface="Segoe UI" panose="020B0502040204020203" pitchFamily="34" charset="0"/>
+            </a:endParaRPr>
+          </a:p>
+          <a:p>
+            <a:pPr>
+              <a:buFont typeface="Arial" panose="020B0604020202020204" pitchFamily="34" charset="0"/>
+              <a:buChar char="•"/>
+            </a:pPr>
+            <a:r>
+              <a:rPr lang="en-GB" dirty="0">
+                <a:latin typeface="Segoe UI" panose="020B0502040204020203" pitchFamily="34" charset="0"/>
+                <a:cs typeface="Segoe UI" panose="020B0502040204020203" pitchFamily="34" charset="0"/>
+              </a:rPr>
+              <a:t> 1U </a:t>
+            </a:r>
+            <a:r>
+              <a:rPr lang="en-GB" dirty="0" err="1">
+                <a:latin typeface="Segoe UI" panose="020B0502040204020203" pitchFamily="34" charset="0"/>
+                <a:cs typeface="Segoe UI" panose="020B0502040204020203" pitchFamily="34" charset="0"/>
+              </a:rPr>
+              <a:t>vormfactor</a:t>
+            </a:r>
+            <a:endParaRPr lang="en-GB" dirty="0">
+              <a:latin typeface="Segoe UI" panose="020B0502040204020203" pitchFamily="34" charset="0"/>
+              <a:cs typeface="Segoe UI" panose="020B0502040204020203" pitchFamily="34" charset="0"/>
+            </a:endParaRPr>
           </a:p>
           <a:p>
             <a:pPr>
@@ -11928,8 +11935,19 @@
                 <a:latin typeface="Segoe UI" panose="020B0502040204020203" pitchFamily="34" charset="0"/>
                 <a:cs typeface="Segoe UI" panose="020B0502040204020203" pitchFamily="34" charset="0"/>
               </a:rPr>
-              <a:t> 1U</a:t>
-            </a:r>
+              <a:t> 1U </a:t>
+            </a:r>
+            <a:r>
+              <a:rPr lang="en-GB" dirty="0" err="1">
+                <a:latin typeface="Segoe UI" panose="020B0502040204020203" pitchFamily="34" charset="0"/>
+                <a:cs typeface="Segoe UI" panose="020B0502040204020203" pitchFamily="34" charset="0"/>
+              </a:rPr>
+              <a:t>vormfactor</a:t>
+            </a:r>
+            <a:endParaRPr lang="en-GB" dirty="0">
+              <a:latin typeface="Segoe UI" panose="020B0502040204020203" pitchFamily="34" charset="0"/>
+              <a:cs typeface="Segoe UI" panose="020B0502040204020203" pitchFamily="34" charset="0"/>
+            </a:endParaRPr>
           </a:p>
           <a:p>
             <a:pPr>
@@ -12141,6 +12159,59 @@
                 <a:latin typeface="Segoe UI" panose="020B0502040204020203" pitchFamily="34" charset="0"/>
                 <a:cs typeface="Segoe UI" panose="020B0502040204020203" pitchFamily="34" charset="0"/>
               </a:rPr>
+              <a:t> Meerdere SSIDs (Guest- en </a:t>
+            </a:r>
+            <a:r>
+              <a:rPr lang="en-GB" dirty="0" err="1">
+                <a:latin typeface="Segoe UI" panose="020B0502040204020203" pitchFamily="34" charset="0"/>
+                <a:cs typeface="Segoe UI" panose="020B0502040204020203" pitchFamily="34" charset="0"/>
+              </a:rPr>
+              <a:t>Kantoornetwerk</a:t>
+            </a:r>
+            <a:r>
+              <a:rPr lang="en-GB" dirty="0">
+                <a:latin typeface="Segoe UI" panose="020B0502040204020203" pitchFamily="34" charset="0"/>
+                <a:cs typeface="Segoe UI" panose="020B0502040204020203" pitchFamily="34" charset="0"/>
+              </a:rPr>
+              <a:t>)</a:t>
+            </a:r>
+          </a:p>
+          <a:p>
+            <a:pPr>
+              <a:buFont typeface="Arial" panose="020B0604020202020204" pitchFamily="34" charset="0"/>
+              <a:buChar char="•"/>
+            </a:pPr>
+            <a:r>
+              <a:rPr lang="en-GB" dirty="0">
+                <a:latin typeface="Segoe UI" panose="020B0502040204020203" pitchFamily="34" charset="0"/>
+                <a:cs typeface="Segoe UI" panose="020B0502040204020203" pitchFamily="34" charset="0"/>
+              </a:rPr>
+              <a:t> Captive Portal</a:t>
+            </a:r>
+          </a:p>
+          <a:p>
+            <a:pPr>
+              <a:buFont typeface="Arial" panose="020B0604020202020204" pitchFamily="34" charset="0"/>
+              <a:buChar char="•"/>
+            </a:pPr>
+            <a:r>
+              <a:rPr lang="en-GB" dirty="0">
+                <a:latin typeface="Segoe UI" panose="020B0502040204020203" pitchFamily="34" charset="0"/>
+                <a:cs typeface="Segoe UI" panose="020B0502040204020203" pitchFamily="34" charset="0"/>
+              </a:rPr>
+              <a:t> Scheduling</a:t>
+            </a:r>
+          </a:p>
+          <a:p>
+            <a:pPr>
+              <a:buFont typeface="Arial" panose="020B0604020202020204" pitchFamily="34" charset="0"/>
+              <a:buChar char="•"/>
+            </a:pPr>
+            <a:r>
+              <a:rPr lang="en-GB" dirty="0">
+                <a:latin typeface="Segoe UI" panose="020B0502040204020203" pitchFamily="34" charset="0"/>
+                <a:cs typeface="Segoe UI" panose="020B0502040204020203" pitchFamily="34" charset="0"/>
+              </a:rPr>
               <a:t> </a:t>
             </a:r>
             <a:r>
@@ -12148,21 +12219,7 @@
                 <a:latin typeface="Segoe UI" panose="020B0502040204020203" pitchFamily="34" charset="0"/>
                 <a:cs typeface="Segoe UI" panose="020B0502040204020203" pitchFamily="34" charset="0"/>
               </a:rPr>
-              <a:t>Meerdere</a:t>
-            </a:r>
-            <a:r>
-              <a:rPr lang="en-GB" dirty="0">
-                <a:latin typeface="Segoe UI" panose="020B0502040204020203" pitchFamily="34" charset="0"/>
-                <a:cs typeface="Segoe UI" panose="020B0502040204020203" pitchFamily="34" charset="0"/>
-              </a:rPr>
-              <a:t> SSIDs (</a:t>
-            </a:r>
-            <a:r>
-              <a:rPr lang="en-GB" dirty="0" err="1">
-                <a:latin typeface="Segoe UI" panose="020B0502040204020203" pitchFamily="34" charset="0"/>
-                <a:cs typeface="Segoe UI" panose="020B0502040204020203" pitchFamily="34" charset="0"/>
-              </a:rPr>
-              <a:t>Wifi</a:t>
+              <a:t>Gemakkelijke</a:t>
             </a:r>
             <a:r>
               <a:rPr lang="en-GB" dirty="0">
@@ -12176,73 +12233,6 @@
                 <a:latin typeface="Segoe UI" panose="020B0502040204020203" pitchFamily="34" charset="0"/>
                 <a:cs typeface="Segoe UI" panose="020B0502040204020203" pitchFamily="34" charset="0"/>
               </a:rPr>
-              <a:t>netwerken</a:t>
-            </a:r>
-            <a:r>
-              <a:rPr lang="en-GB" dirty="0">
-                <a:latin typeface="Segoe UI" panose="020B0502040204020203" pitchFamily="34" charset="0"/>
-                <a:cs typeface="Segoe UI" panose="020B0502040204020203" pitchFamily="34" charset="0"/>
-              </a:rPr>
-              <a:t>)</a:t>
-            </a:r>
-          </a:p>
-          <a:p>
-            <a:pPr>
-              <a:buFont typeface="Arial" panose="020B0604020202020204" pitchFamily="34" charset="0"/>
-              <a:buChar char="•"/>
-            </a:pPr>
-            <a:r>
-              <a:rPr lang="en-GB" dirty="0">
-                <a:latin typeface="Segoe UI" panose="020B0502040204020203" pitchFamily="34" charset="0"/>
-                <a:cs typeface="Segoe UI" panose="020B0502040204020203" pitchFamily="34" charset="0"/>
-              </a:rPr>
-              <a:t> Captive Portal</a:t>
-            </a:r>
-          </a:p>
-          <a:p>
-            <a:pPr>
-              <a:buFont typeface="Arial" panose="020B0604020202020204" pitchFamily="34" charset="0"/>
-              <a:buChar char="•"/>
-            </a:pPr>
-            <a:r>
-              <a:rPr lang="en-GB" dirty="0">
-                <a:latin typeface="Segoe UI" panose="020B0502040204020203" pitchFamily="34" charset="0"/>
-                <a:cs typeface="Segoe UI" panose="020B0502040204020203" pitchFamily="34" charset="0"/>
-              </a:rPr>
-              <a:t> Scheduling</a:t>
-            </a:r>
-          </a:p>
-          <a:p>
-            <a:pPr>
-              <a:buFont typeface="Arial" panose="020B0604020202020204" pitchFamily="34" charset="0"/>
-              <a:buChar char="•"/>
-            </a:pPr>
-            <a:r>
-              <a:rPr lang="en-GB" dirty="0">
-                <a:latin typeface="Segoe UI" panose="020B0502040204020203" pitchFamily="34" charset="0"/>
-                <a:cs typeface="Segoe UI" panose="020B0502040204020203" pitchFamily="34" charset="0"/>
-              </a:rPr>
-              <a:t> </a:t>
-            </a:r>
-            <a:r>
-              <a:rPr lang="en-GB" dirty="0" err="1">
-                <a:latin typeface="Segoe UI" panose="020B0502040204020203" pitchFamily="34" charset="0"/>
-                <a:cs typeface="Segoe UI" panose="020B0502040204020203" pitchFamily="34" charset="0"/>
-              </a:rPr>
-              <a:t>Gemakkelijke</a:t>
-            </a:r>
-            <a:r>
-              <a:rPr lang="en-GB" dirty="0">
-                <a:latin typeface="Segoe UI" panose="020B0502040204020203" pitchFamily="34" charset="0"/>
-                <a:cs typeface="Segoe UI" panose="020B0502040204020203" pitchFamily="34" charset="0"/>
-              </a:rPr>
-              <a:t> </a:t>
-            </a:r>
-            <a:r>
-              <a:rPr lang="en-GB" dirty="0" err="1">
-                <a:latin typeface="Segoe UI" panose="020B0502040204020203" pitchFamily="34" charset="0"/>
-                <a:cs typeface="Segoe UI" panose="020B0502040204020203" pitchFamily="34" charset="0"/>
-              </a:rPr>
               <a:t>meegeleverde</a:t>
             </a:r>
             <a:r>
@@ -12263,21 +12253,7 @@
                 <a:latin typeface="Segoe UI" panose="020B0502040204020203" pitchFamily="34" charset="0"/>
                 <a:cs typeface="Segoe UI" panose="020B0502040204020203" pitchFamily="34" charset="0"/>
               </a:rPr>
-              <a:t>Wand– </a:t>
-            </a:r>
-            <a:r>
-              <a:rPr lang="en-GB" dirty="0" err="1">
-                <a:latin typeface="Segoe UI" panose="020B0502040204020203" pitchFamily="34" charset="0"/>
-                <a:cs typeface="Segoe UI" panose="020B0502040204020203" pitchFamily="34" charset="0"/>
-              </a:rPr>
-              <a:t>en</a:t>
-            </a:r>
-            <a:r>
-              <a:rPr lang="en-GB" dirty="0">
-                <a:latin typeface="Segoe UI" panose="020B0502040204020203" pitchFamily="34" charset="0"/>
-                <a:cs typeface="Segoe UI" panose="020B0502040204020203" pitchFamily="34" charset="0"/>
-              </a:rPr>
-              <a:t> </a:t>
+              <a:t> Wand– en </a:t>
             </a:r>
             <a:r>
               <a:rPr lang="en-GB" dirty="0" err="1">
